--- a/Java_PPT/#6_Array.pptx
+++ b/Java_PPT/#6_Array.pptx
@@ -10551,249 +10551,4 @@
   </a:themeElements>
   <a:objectDefaults/>
 </a:theme>
-</file>
-
-<file path=customXml/item1.xml><?xml version="1.0" encoding="utf-8"?>
-<ct:contentTypeSchema xmlns:ct="http://schemas.microsoft.com/office/2006/metadata/contentType" xmlns:ma="http://schemas.microsoft.com/office/2006/metadata/properties/metaAttributes" ct:_="" ma:_="" ma:contentTypeName="Document" ma:contentTypeID="0x010100AA3F7D94069FF64A86F7DFF56D60E3BE" ma:contentTypeVersion="6" ma:contentTypeDescription="Create a new document." ma:contentTypeScope="" ma:versionID="c32302c77d4085ecf495bdddb7f5e889">
-  <xsd:schema xmlns:xsd="http://www.w3.org/2001/XMLSchema" xmlns:xs="http://www.w3.org/2001/XMLSchema" xmlns:p="http://schemas.microsoft.com/office/2006/metadata/properties" xmlns:ns2="a4f35948-e619-41b3-aa29-22878b09cfd2" xmlns:ns3="40262f94-9f35-4ac3-9a90-690165a166b7" targetNamespace="http://schemas.microsoft.com/office/2006/metadata/properties" ma:root="true" ma:fieldsID="4ab5ae46be95f9d0be6107e8200be7a2" ns2:_="" ns3:_="">
-    <xsd:import namespace="a4f35948-e619-41b3-aa29-22878b09cfd2"/>
-    <xsd:import namespace="40262f94-9f35-4ac3-9a90-690165a166b7"/>
-    <xsd:element name="properties">
-      <xsd:complexType>
-        <xsd:sequence>
-          <xsd:element name="documentManagement">
-            <xsd:complexType>
-              <xsd:all>
-                <xsd:element ref="ns2:SharedWithUsers" minOccurs="0"/>
-                <xsd:element ref="ns2:SharedWithDetails" minOccurs="0"/>
-                <xsd:element ref="ns3:VSO_x0020_item_x0020_id" minOccurs="0"/>
-                <xsd:element ref="ns3:Item_x0020_Details" minOccurs="0"/>
-                <xsd:element ref="ns3:Template_x0020_details" minOccurs="0"/>
-                <xsd:element ref="ns3:Assetid_x0020_" minOccurs="0"/>
-              </xsd:all>
-            </xsd:complexType>
-          </xsd:element>
-        </xsd:sequence>
-      </xsd:complexType>
-    </xsd:element>
-  </xsd:schema>
-  <xsd:schema xmlns:xsd="http://www.w3.org/2001/XMLSchema" xmlns:xs="http://www.w3.org/2001/XMLSchema" xmlns:dms="http://schemas.microsoft.com/office/2006/documentManagement/types" xmlns:pc="http://schemas.microsoft.com/office/infopath/2007/PartnerControls" targetNamespace="a4f35948-e619-41b3-aa29-22878b09cfd2" elementFormDefault="qualified">
-    <xsd:import namespace="http://schemas.microsoft.com/office/2006/documentManagement/types"/>
-    <xsd:import namespace="http://schemas.microsoft.com/office/infopath/2007/PartnerControls"/>
-    <xsd:element name="SharedWithUsers" ma:index="8" nillable="true" ma:displayName="Shared With" ma:internalName="SharedWithUsers" ma:readOnly="true">
-      <xsd:complexType>
-        <xsd:complexContent>
-          <xsd:extension base="dms:UserMulti">
-            <xsd:sequence>
-              <xsd:element name="UserInfo" minOccurs="0" maxOccurs="unbounded">
-                <xsd:complexType>
-                  <xsd:sequence>
-                    <xsd:element name="DisplayName" type="xsd:string" minOccurs="0"/>
-                    <xsd:element name="AccountId" type="dms:UserId" minOccurs="0" nillable="true"/>
-                    <xsd:element name="AccountType" type="xsd:string" minOccurs="0"/>
-                  </xsd:sequence>
-                </xsd:complexType>
-              </xsd:element>
-            </xsd:sequence>
-          </xsd:extension>
-        </xsd:complexContent>
-      </xsd:complexType>
-    </xsd:element>
-    <xsd:element name="SharedWithDetails" ma:index="9" nillable="true" ma:displayName="Shared With Details" ma:description="" ma:internalName="SharedWithDetails" ma:readOnly="true">
-      <xsd:simpleType>
-        <xsd:restriction base="dms:Note">
-          <xsd:maxLength value="255"/>
-        </xsd:restriction>
-      </xsd:simpleType>
-    </xsd:element>
-  </xsd:schema>
-  <xsd:schema xmlns:xsd="http://www.w3.org/2001/XMLSchema" xmlns:xs="http://www.w3.org/2001/XMLSchema" xmlns:dms="http://schemas.microsoft.com/office/2006/documentManagement/types" xmlns:pc="http://schemas.microsoft.com/office/infopath/2007/PartnerControls" targetNamespace="40262f94-9f35-4ac3-9a90-690165a166b7" elementFormDefault="qualified">
-    <xsd:import namespace="http://schemas.microsoft.com/office/2006/documentManagement/types"/>
-    <xsd:import namespace="http://schemas.microsoft.com/office/infopath/2007/PartnerControls"/>
-    <xsd:element name="VSO_x0020_item_x0020_id" ma:index="10" nillable="true" ma:displayName="VSO item id" ma:description="Please add the bug number to refer to VSO items." ma:internalName="VSO_x0020_item_x0020_id">
-      <xsd:simpleType>
-        <xsd:restriction base="dms:Text">
-          <xsd:maxLength value="255"/>
-        </xsd:restriction>
-      </xsd:simpleType>
-    </xsd:element>
-    <xsd:element name="Item_x0020_Details" ma:index="11" nillable="true" ma:displayName="Item Details" ma:internalName="Item_x0020_Details">
-      <xsd:simpleType>
-        <xsd:restriction base="dms:Note">
-          <xsd:maxLength value="255"/>
-        </xsd:restriction>
-      </xsd:simpleType>
-    </xsd:element>
-    <xsd:element name="Template_x0020_details" ma:index="12" nillable="true" ma:displayName="Template details" ma:internalName="Template_x0020_details">
-      <xsd:simpleType>
-        <xsd:restriction base="dms:Text"/>
-      </xsd:simpleType>
-    </xsd:element>
-    <xsd:element name="Assetid_x0020_" ma:index="13" nillable="true" ma:displayName="Assetid " ma:internalName="Assetid_x0020_">
-      <xsd:simpleType>
-        <xsd:restriction base="dms:Text"/>
-      </xsd:simpleType>
-    </xsd:element>
-  </xsd:schema>
-  <xsd:schema xmlns="http://schemas.openxmlformats.org/package/2006/metadata/core-properties" xmlns:xsd="http://www.w3.org/2001/XMLSchema" xmlns:xsi="http://www.w3.org/2001/XMLSchema-instance" xmlns:dc="http://purl.org/dc/elements/1.1/" xmlns:dcterms="http://purl.org/dc/terms/" xmlns:odoc="http://schemas.microsoft.com/internal/obd" targetNamespace="http://schemas.openxmlformats.org/package/2006/metadata/core-properties" elementFormDefault="qualified" attributeFormDefault="unqualified" blockDefault="#all">
-    <xsd:import namespace="http://purl.org/dc/elements/1.1/" schemaLocation="http://dublincore.org/schemas/xmls/qdc/2003/04/02/dc.xsd"/>
-    <xsd:import namespace="http://purl.org/dc/terms/" schemaLocation="http://dublincore.org/schemas/xmls/qdc/2003/04/02/dcterms.xsd"/>
-    <xsd:element name="coreProperties" type="CT_coreProperties"/>
-    <xsd:complexType name="CT_coreProperties">
-      <xsd:all>
-        <xsd:element ref="dc:creator" minOccurs="0" maxOccurs="1"/>
-        <xsd:element ref="dcterms:created" minOccurs="0" maxOccurs="1"/>
-        <xsd:element ref="dc:identifier" minOccurs="0" maxOccurs="1"/>
-        <xsd:element name="contentType" minOccurs="0" maxOccurs="1" type="xsd:string" ma:index="0" ma:displayName="Content Type"/>
-        <xsd:element ref="dc:title" minOccurs="0" maxOccurs="1" ma:index="4" ma:displayName="Title"/>
-        <xsd:element ref="dc:subject" minOccurs="0" maxOccurs="1"/>
-        <xsd:element ref="dc:description" minOccurs="0" maxOccurs="1"/>
-        <xsd:element name="keywords" minOccurs="0" maxOccurs="1" type="xsd:string"/>
-        <xsd:element ref="dc:language" minOccurs="0" maxOccurs="1"/>
-        <xsd:element name="category" minOccurs="0" maxOccurs="1" type="xsd:string"/>
-        <xsd:element name="version" minOccurs="0" maxOccurs="1" type="xsd:string"/>
-        <xsd:element name="revision" minOccurs="0" maxOccurs="1" type="xsd:string">
-          <xsd:annotation>
-            <xsd:documentation>
-                        This value indicates the number of saves or revisions. The application is responsible for updating this value after each revision.
-                    </xsd:documentation>
-          </xsd:annotation>
-        </xsd:element>
-        <xsd:element name="lastModifiedBy" minOccurs="0" maxOccurs="1" type="xsd:string"/>
-        <xsd:element ref="dcterms:modified" minOccurs="0" maxOccurs="1"/>
-        <xsd:element name="contentStatus" minOccurs="0" maxOccurs="1" type="xsd:string"/>
-      </xsd:all>
-    </xsd:complexType>
-  </xsd:schema>
-  <xs:schema xmlns:pc="http://schemas.microsoft.com/office/infopath/2007/PartnerControls" xmlns:xs="http://www.w3.org/2001/XMLSchema" targetNamespace="http://schemas.microsoft.com/office/infopath/2007/PartnerControls" elementFormDefault="qualified" attributeFormDefault="unqualified">
-    <xs:element name="Person">
-      <xs:complexType>
-        <xs:sequence>
-          <xs:element ref="pc:DisplayName" minOccurs="0"/>
-          <xs:element ref="pc:AccountId" minOccurs="0"/>
-          <xs:element ref="pc:AccountType" minOccurs="0"/>
-        </xs:sequence>
-      </xs:complexType>
-    </xs:element>
-    <xs:element name="DisplayName" type="xs:string"/>
-    <xs:element name="AccountId" type="xs:string"/>
-    <xs:element name="AccountType" type="xs:string"/>
-    <xs:element name="BDCAssociatedEntity">
-      <xs:complexType>
-        <xs:sequence>
-          <xs:element ref="pc:BDCEntity" minOccurs="0" maxOccurs="unbounded"/>
-        </xs:sequence>
-        <xs:attribute ref="pc:EntityNamespace"/>
-        <xs:attribute ref="pc:EntityName"/>
-        <xs:attribute ref="pc:SystemInstanceName"/>
-        <xs:attribute ref="pc:AssociationName"/>
-      </xs:complexType>
-    </xs:element>
-    <xs:attribute name="EntityNamespace" type="xs:string"/>
-    <xs:attribute name="EntityName" type="xs:string"/>
-    <xs:attribute name="SystemInstanceName" type="xs:string"/>
-    <xs:attribute name="AssociationName" type="xs:string"/>
-    <xs:element name="BDCEntity">
-      <xs:complexType>
-        <xs:sequence>
-          <xs:element ref="pc:EntityDisplayName" minOccurs="0"/>
-          <xs:element ref="pc:EntityInstanceReference" minOccurs="0"/>
-          <xs:element ref="pc:EntityId1" minOccurs="0"/>
-          <xs:element ref="pc:EntityId2" minOccurs="0"/>
-          <xs:element ref="pc:EntityId3" minOccurs="0"/>
-          <xs:element ref="pc:EntityId4" minOccurs="0"/>
-          <xs:element ref="pc:EntityId5" minOccurs="0"/>
-        </xs:sequence>
-      </xs:complexType>
-    </xs:element>
-    <xs:element name="EntityDisplayName" type="xs:string"/>
-    <xs:element name="EntityInstanceReference" type="xs:string"/>
-    <xs:element name="EntityId1" type="xs:string"/>
-    <xs:element name="EntityId2" type="xs:string"/>
-    <xs:element name="EntityId3" type="xs:string"/>
-    <xs:element name="EntityId4" type="xs:string"/>
-    <xs:element name="EntityId5" type="xs:string"/>
-    <xs:element name="Terms">
-      <xs:complexType>
-        <xs:sequence>
-          <xs:element ref="pc:TermInfo" minOccurs="0" maxOccurs="unbounded"/>
-        </xs:sequence>
-      </xs:complexType>
-    </xs:element>
-    <xs:element name="TermInfo">
-      <xs:complexType>
-        <xs:sequence>
-          <xs:element ref="pc:TermName" minOccurs="0"/>
-          <xs:element ref="pc:TermId" minOccurs="0"/>
-        </xs:sequence>
-      </xs:complexType>
-    </xs:element>
-    <xs:element name="TermName" type="xs:string"/>
-    <xs:element name="TermId" type="xs:string"/>
-  </xs:schema>
-</ct:contentTypeSchema>
-</file>
-
-<file path=customXml/item2.xml><?xml version="1.0" encoding="utf-8"?>
-<p:properties xmlns:p="http://schemas.microsoft.com/office/2006/metadata/properties" xmlns:xsi="http://www.w3.org/2001/XMLSchema-instance" xmlns:pc="http://schemas.microsoft.com/office/infopath/2007/PartnerControls">
-  <documentManagement>
-    <VSO_x0020_item_x0020_id xmlns="40262f94-9f35-4ac3-9a90-690165a166b7" xsi:nil="true"/>
-    <Assetid_x0020_ xmlns="40262f94-9f35-4ac3-9a90-690165a166b7" xsi:nil="true"/>
-    <Item_x0020_Details xmlns="40262f94-9f35-4ac3-9a90-690165a166b7" xsi:nil="true"/>
-    <Template_x0020_details xmlns="40262f94-9f35-4ac3-9a90-690165a166b7" xsi:nil="true"/>
-  </documentManagement>
-</p:properties>
-</file>
-
-<file path=customXml/item3.xml><?xml version="1.0" encoding="utf-8"?>
-<?mso-contentType ?>
-<FormTemplates xmlns="http://schemas.microsoft.com/sharepoint/v3/contenttype/forms">
-  <Display>DocumentLibraryForm</Display>
-  <Edit>DocumentLibraryForm</Edit>
-  <New>DocumentLibraryForm</New>
-</FormTemplates>
-</file>
-
-<file path=customXml/itemProps1.xml><?xml version="1.0" encoding="utf-8"?>
-<ds:datastoreItem xmlns:ds="http://schemas.openxmlformats.org/officeDocument/2006/customXml" ds:itemID="{FB14945D-DABB-422F-9B28-D299995C9226}">
-  <ds:schemaRefs>
-    <ds:schemaRef ds:uri="http://schemas.microsoft.com/office/2006/metadata/contentType"/>
-    <ds:schemaRef ds:uri="http://schemas.microsoft.com/office/2006/metadata/properties/metaAttributes"/>
-    <ds:schemaRef ds:uri="http://www.w3.org/2001/XMLSchema"/>
-    <ds:schemaRef ds:uri="http://schemas.microsoft.com/office/2006/metadata/properties"/>
-    <ds:schemaRef ds:uri="a4f35948-e619-41b3-aa29-22878b09cfd2"/>
-    <ds:schemaRef ds:uri="40262f94-9f35-4ac3-9a90-690165a166b7"/>
-    <ds:schemaRef ds:uri="http://schemas.microsoft.com/office/2006/documentManagement/types"/>
-    <ds:schemaRef ds:uri="http://schemas.microsoft.com/office/infopath/2007/PartnerControls"/>
-    <ds:schemaRef ds:uri="http://schemas.openxmlformats.org/package/2006/metadata/core-properties"/>
-    <ds:schemaRef ds:uri="http://purl.org/dc/elements/1.1/"/>
-    <ds:schemaRef ds:uri="http://purl.org/dc/terms/"/>
-    <ds:schemaRef ds:uri="http://schemas.microsoft.com/internal/obd"/>
-  </ds:schemaRefs>
-</ds:datastoreItem>
-</file>
-
-<file path=customXml/itemProps2.xml><?xml version="1.0" encoding="utf-8"?>
-<ds:datastoreItem xmlns:ds="http://schemas.openxmlformats.org/officeDocument/2006/customXml" ds:itemID="{5E700CCB-20BA-4760-AB9F-AC3B63ED32E0}">
-  <ds:schemaRefs>
-    <ds:schemaRef ds:uri="http://schemas.microsoft.com/office/infopath/2007/PartnerControls"/>
-    <ds:schemaRef ds:uri="http://purl.org/dc/terms/"/>
-    <ds:schemaRef ds:uri="http://www.w3.org/XML/1998/namespace"/>
-    <ds:schemaRef ds:uri="a4f35948-e619-41b3-aa29-22878b09cfd2"/>
-    <ds:schemaRef ds:uri="40262f94-9f35-4ac3-9a90-690165a166b7"/>
-    <ds:schemaRef ds:uri="http://purl.org/dc/dcmitype/"/>
-    <ds:schemaRef ds:uri="http://schemas.microsoft.com/office/2006/documentManagement/types"/>
-    <ds:schemaRef ds:uri="http://purl.org/dc/elements/1.1/"/>
-    <ds:schemaRef ds:uri="http://schemas.openxmlformats.org/package/2006/metadata/core-properties"/>
-    <ds:schemaRef ds:uri="http://schemas.microsoft.com/office/2006/metadata/properties"/>
-  </ds:schemaRefs>
-</ds:datastoreItem>
-</file>
-
-<file path=customXml/itemProps3.xml><?xml version="1.0" encoding="utf-8"?>
-<ds:datastoreItem xmlns:ds="http://schemas.openxmlformats.org/officeDocument/2006/customXml" ds:itemID="{308942AA-0721-4324-BC2C-A3CB43F24E71}">
-  <ds:schemaRefs>
-    <ds:schemaRef ds:uri="http://schemas.microsoft.com/sharepoint/v3/contenttype/forms"/>
-  </ds:schemaRefs>
-</ds:datastoreItem>
 </file>
--- a/Java_PPT/#6_Array.pptx
+++ b/Java_PPT/#6_Array.pptx
@@ -16,6 +16,8 @@
     <p:sldId id="264" r:id="rId11"/>
     <p:sldId id="265" r:id="rId12"/>
     <p:sldId id="266" r:id="rId13"/>
+    <p:sldId id="267" r:id="rId14"/>
+    <p:sldId id="268" r:id="rId15"/>
   </p:sldIdLst>
   <p:sldSz cx="12188825" cy="6858000"/>
   <p:notesSz cx="12188825" cy="6858000"/>
@@ -5321,942 +5323,30 @@
           <a:chExt cx="0" cy="0"/>
         </a:xfrm>
       </p:grpSpPr>
-      <p:sp>
-        <p:nvSpPr>
-          <p:cNvPr id="3" name="Rectangle 2"/>
-          <p:cNvSpPr/>
-          <p:nvPr/>
-        </p:nvSpPr>
+      <p:pic>
+        <p:nvPicPr>
+          <p:cNvPr id="1927125628" name=""/>
+          <p:cNvPicPr>
+            <a:picLocks noChangeAspect="1"/>
+          </p:cNvPicPr>
+          <p:nvPr>
+            <p:ph sz="half" idx="1"/>
+          </p:nvPr>
+        </p:nvPicPr>
+        <p:blipFill>
+          <a:blip r:embed="rId2"/>
+          <a:stretch/>
+        </p:blipFill>
         <p:spPr bwMode="auto">
-          <a:xfrm>
-            <a:off x="-32068" y="1"/>
-            <a:ext cx="9483750" cy="762000"/>
+          <a:xfrm rot="0" flipH="0" flipV="0">
+            <a:off x="192462" y="60293"/>
+            <a:ext cx="11589424" cy="6335063"/>
           </a:xfrm>
           <a:prstGeom prst="rect">
             <a:avLst/>
           </a:prstGeom>
         </p:spPr>
-        <p:txBody>
-          <a:bodyPr vert="horz" lIns="121898" tIns="60949" rIns="121898" bIns="60949" rtlCol="0" anchor="b">
-            <a:noAutofit/>
-          </a:bodyPr>
-          <a:lstStyle/>
-          <a:p>
-            <a:pPr>
-              <a:defRPr/>
-            </a:pPr>
-            <a:r>
-              <a:rPr lang="en-US" sz="4000" b="1"/>
-              <a:t>Method of Arrays Class </a:t>
-            </a:r>
-            <a:endParaRPr/>
-          </a:p>
-        </p:txBody>
-      </p:sp>
-      <p:graphicFrame>
-        <p:nvGraphicFramePr>
-          <p:cNvPr id="2" name="Table 1"/>
-          <p:cNvGraphicFramePr>
-            <a:graphicFrameLocks xmlns:a="http://schemas.openxmlformats.org/drawingml/2006/main" noGrp="1"/>
-          </p:cNvGraphicFramePr>
-          <p:nvPr/>
-        </p:nvGraphicFramePr>
-        <p:xfrm>
-          <a:off x="227012" y="685800"/>
-          <a:ext cx="11277600" cy="6158280"/>
-        </p:xfrm>
-        <a:graphic>
-          <a:graphicData uri="http://schemas.openxmlformats.org/drawingml/2006/table">
-            <a:tbl>
-              <a:tblPr firstRow="0" firstCol="0" lastRow="0" lastCol="0" bandRow="0" bandCol="0"/>
-              <a:tblGrid>
-                <a:gridCol w="5458680"/>
-                <a:gridCol w="5818920"/>
-              </a:tblGrid>
-              <a:tr h="61617">
-                <a:tc>
-                  <a:txBody>
-                    <a:bodyPr/>
-                    <a:p>
-                      <a:pPr algn="ctr">
-                        <a:defRPr/>
-                      </a:pPr>
-                      <a:r>
-                        <a:rPr lang="en-IN" sz="1800">
-                          <a:solidFill>
-                            <a:schemeClr val="bg1"/>
-                          </a:solidFill>
-                        </a:rPr>
-                        <a:t>Method Name</a:t>
-                      </a:r>
-                      <a:endParaRPr/>
-                    </a:p>
-                  </a:txBody>
-                  <a:tcPr marL="12322" marR="12322" marT="6162" marB="6162" anchor="ctr">
-                    <a:lnL w="19049" algn="ctr">
-                      <a:solidFill>
-                        <a:srgbClr val="89C01C"/>
-                      </a:solidFill>
-                    </a:lnL>
-                    <a:lnR w="19049" algn="ctr">
-                      <a:solidFill>
-                        <a:srgbClr val="89C01C"/>
-                      </a:solidFill>
-                    </a:lnR>
-                    <a:lnT w="19049" algn="ctr">
-                      <a:solidFill>
-                        <a:srgbClr val="89C01C"/>
-                      </a:solidFill>
-                    </a:lnT>
-                    <a:lnB w="19049" algn="ctr">
-                      <a:solidFill>
-                        <a:srgbClr val="89C01C"/>
-                      </a:solidFill>
-                    </a:lnB>
-                    <a:solidFill>
-                      <a:schemeClr val="accent1"/>
-                    </a:solidFill>
-                  </a:tcPr>
-                </a:tc>
-                <a:tc>
-                  <a:txBody>
-                    <a:bodyPr/>
-                    <a:p>
-                      <a:pPr algn="ctr">
-                        <a:defRPr/>
-                      </a:pPr>
-                      <a:r>
-                        <a:rPr lang="en-IN" sz="1800">
-                          <a:solidFill>
-                            <a:schemeClr val="bg1"/>
-                          </a:solidFill>
-                        </a:rPr>
-                        <a:t>Function</a:t>
-                      </a:r>
-                      <a:endParaRPr/>
-                    </a:p>
-                  </a:txBody>
-                  <a:tcPr marL="12322" marR="12322" marT="6162" marB="6162" anchor="ctr">
-                    <a:lnL w="19049" algn="ctr">
-                      <a:solidFill>
-                        <a:srgbClr val="89C01C"/>
-                      </a:solidFill>
-                    </a:lnL>
-                    <a:lnR w="19049" algn="ctr">
-                      <a:solidFill>
-                        <a:srgbClr val="89C01C"/>
-                      </a:solidFill>
-                    </a:lnR>
-                    <a:lnT w="19049" algn="ctr">
-                      <a:solidFill>
-                        <a:srgbClr val="89C01C"/>
-                      </a:solidFill>
-                    </a:lnT>
-                    <a:lnB w="19049" algn="ctr">
-                      <a:solidFill>
-                        <a:srgbClr val="89C01C"/>
-                      </a:solidFill>
-                    </a:lnB>
-                    <a:solidFill>
-                      <a:schemeClr val="accent1"/>
-                    </a:solidFill>
-                  </a:tcPr>
-                </a:tc>
-              </a:tr>
-              <a:tr h="209499">
-                <a:tc>
-                  <a:txBody>
-                    <a:bodyPr/>
-                    <a:p>
-                      <a:pPr algn="ctr">
-                        <a:defRPr/>
-                      </a:pPr>
-                      <a:r>
-                        <a:rPr lang="en-IN" sz="1800"/>
-                        <a:t>hashCode</a:t>
-                      </a:r>
-                      <a:r>
-                        <a:rPr lang="en-IN" sz="1800"/>
-                        <a:t>(</a:t>
-                      </a:r>
-                      <a:r>
-                        <a:rPr lang="en-IN" sz="1800"/>
-                        <a:t>originalArray</a:t>
-                      </a:r>
-                      <a:r>
-                        <a:rPr lang="en-IN" sz="1800"/>
-                        <a:t>)</a:t>
-                      </a:r>
-                      <a:endParaRPr/>
-                    </a:p>
-                  </a:txBody>
-                  <a:tcPr marL="12322" marR="12322" marT="6162" marB="6162" anchor="ctr">
-                    <a:lnL w="19049" algn="ctr">
-                      <a:solidFill>
-                        <a:srgbClr val="89C01C"/>
-                      </a:solidFill>
-                    </a:lnL>
-                    <a:lnR w="19049" algn="ctr">
-                      <a:solidFill>
-                        <a:srgbClr val="89C01C"/>
-                      </a:solidFill>
-                    </a:lnR>
-                    <a:lnT w="19049" algn="ctr">
-                      <a:solidFill>
-                        <a:srgbClr val="89C01C"/>
-                      </a:solidFill>
-                    </a:lnT>
-                    <a:lnB w="19049" algn="ctr">
-                      <a:solidFill>
-                        <a:srgbClr val="89C01C"/>
-                      </a:solidFill>
-                    </a:lnB>
-                  </a:tcPr>
-                </a:tc>
-                <a:tc>
-                  <a:txBody>
-                    <a:bodyPr/>
-                    <a:p>
-                      <a:pPr algn="ctr">
-                        <a:defRPr/>
-                      </a:pPr>
-                      <a:r>
-                        <a:rPr lang="en-GB" sz="1800"/>
-                        <a:t>An integer </a:t>
-                      </a:r>
-                      <a:r>
-                        <a:rPr lang="en-GB" sz="1800" u="sng" strike="noStrike">
-                          <a:hlinkClick r:id="rId2" tooltip="https://www.scaler.com/topics/hashcode-in-java/"/>
-                        </a:rPr>
-                        <a:t>hashCode</a:t>
-                      </a:r>
-                      <a:r>
-                        <a:rPr lang="en-GB" sz="1800"/>
-                        <a:t> of the array instance is returned. A </a:t>
-                      </a:r>
-                      <a:r>
-                        <a:rPr lang="en-GB" sz="1800"/>
-                        <a:t>hashcode</a:t>
-                      </a:r>
-                      <a:r>
-                        <a:rPr lang="en-GB" sz="1800"/>
-                        <a:t> is a unique integer that represents an object in Java.</a:t>
-                      </a:r>
-                      <a:endParaRPr/>
-                    </a:p>
-                  </a:txBody>
-                  <a:tcPr marL="12322" marR="12322" marT="6162" marB="6162" anchor="ctr">
-                    <a:lnL w="19049" algn="ctr">
-                      <a:solidFill>
-                        <a:srgbClr val="89C01C"/>
-                      </a:solidFill>
-                    </a:lnL>
-                    <a:lnR w="19049" algn="ctr">
-                      <a:solidFill>
-                        <a:srgbClr val="89C01C"/>
-                      </a:solidFill>
-                    </a:lnR>
-                    <a:lnT w="19049" algn="ctr">
-                      <a:solidFill>
-                        <a:srgbClr val="89C01C"/>
-                      </a:solidFill>
-                    </a:lnT>
-                    <a:lnB w="19049" algn="ctr">
-                      <a:solidFill>
-                        <a:srgbClr val="89C01C"/>
-                      </a:solidFill>
-                    </a:lnB>
-                  </a:tcPr>
-                </a:tc>
-              </a:tr>
-              <a:tr h="308086">
-                <a:tc>
-                  <a:txBody>
-                    <a:bodyPr/>
-                    <a:p>
-                      <a:pPr algn="ctr">
-                        <a:defRPr/>
-                      </a:pPr>
-                      <a:r>
-                        <a:rPr lang="en-IN" sz="1800"/>
-                        <a:t>equals (array1, array2)</a:t>
-                      </a:r>
-                      <a:endParaRPr/>
-                    </a:p>
-                  </a:txBody>
-                  <a:tcPr marL="12322" marR="12322" marT="6162" marB="6162" anchor="ctr">
-                    <a:lnL w="19049" algn="ctr">
-                      <a:solidFill>
-                        <a:srgbClr val="89C01C"/>
-                      </a:solidFill>
-                    </a:lnL>
-                    <a:lnR w="19049" algn="ctr">
-                      <a:solidFill>
-                        <a:srgbClr val="89C01C"/>
-                      </a:solidFill>
-                    </a:lnR>
-                    <a:lnT w="19049" algn="ctr">
-                      <a:solidFill>
-                        <a:srgbClr val="89C01C"/>
-                      </a:solidFill>
-                    </a:lnT>
-                    <a:lnB w="19049" algn="ctr">
-                      <a:solidFill>
-                        <a:srgbClr val="89C01C"/>
-                      </a:solidFill>
-                    </a:lnB>
-                  </a:tcPr>
-                </a:tc>
-                <a:tc>
-                  <a:txBody>
-                    <a:bodyPr/>
-                    <a:p>
-                      <a:pPr algn="ctr">
-                        <a:defRPr/>
-                      </a:pPr>
-                      <a:r>
-                        <a:rPr lang="en-GB" sz="1800"/>
-                        <a:t>Two arrays are considered equal if both arrays contain the same number of elements, and all corresponding pairs of elements in the two arrays are equal.</a:t>
-                      </a:r>
-                      <a:endParaRPr/>
-                    </a:p>
-                  </a:txBody>
-                  <a:tcPr marL="12322" marR="12322" marT="6162" marB="6162" anchor="ctr">
-                    <a:lnL w="19049" algn="ctr">
-                      <a:solidFill>
-                        <a:srgbClr val="89C01C"/>
-                      </a:solidFill>
-                    </a:lnL>
-                    <a:lnR w="19049" algn="ctr">
-                      <a:solidFill>
-                        <a:srgbClr val="89C01C"/>
-                      </a:solidFill>
-                    </a:lnR>
-                    <a:lnT w="19049" algn="ctr">
-                      <a:solidFill>
-                        <a:srgbClr val="89C01C"/>
-                      </a:solidFill>
-                    </a:lnT>
-                    <a:lnB w="19049" algn="ctr">
-                      <a:solidFill>
-                        <a:srgbClr val="89C01C"/>
-                      </a:solidFill>
-                    </a:lnB>
-                  </a:tcPr>
-                </a:tc>
-              </a:tr>
-              <a:tr h="110911">
-                <a:tc>
-                  <a:txBody>
-                    <a:bodyPr/>
-                    <a:p>
-                      <a:pPr algn="ctr">
-                        <a:defRPr/>
-                      </a:pPr>
-                      <a:r>
-                        <a:rPr lang="en-IN" sz="1800"/>
-                        <a:t>fill(</a:t>
-                      </a:r>
-                      <a:r>
-                        <a:rPr lang="en-IN" sz="1800"/>
-                        <a:t>originalArray</a:t>
-                      </a:r>
-                      <a:r>
-                        <a:rPr lang="en-IN" sz="1800"/>
-                        <a:t>, </a:t>
-                      </a:r>
-                      <a:r>
-                        <a:rPr lang="en-IN" sz="1800"/>
-                        <a:t>fillValue</a:t>
-                      </a:r>
-                      <a:r>
-                        <a:rPr lang="en-IN" sz="1800"/>
-                        <a:t>)</a:t>
-                      </a:r>
-                      <a:endParaRPr/>
-                    </a:p>
-                  </a:txBody>
-                  <a:tcPr marL="12322" marR="12322" marT="6162" marB="6162" anchor="ctr">
-                    <a:lnL w="19049" algn="ctr">
-                      <a:solidFill>
-                        <a:srgbClr val="89C01C"/>
-                      </a:solidFill>
-                    </a:lnL>
-                    <a:lnR w="19049" algn="ctr">
-                      <a:solidFill>
-                        <a:srgbClr val="89C01C"/>
-                      </a:solidFill>
-                    </a:lnR>
-                    <a:lnT w="19049" algn="ctr">
-                      <a:solidFill>
-                        <a:srgbClr val="89C01C"/>
-                      </a:solidFill>
-                    </a:lnT>
-                    <a:lnB w="19049" algn="ctr">
-                      <a:solidFill>
-                        <a:srgbClr val="89C01C"/>
-                      </a:solidFill>
-                    </a:lnB>
-                  </a:tcPr>
-                </a:tc>
-                <a:tc>
-                  <a:txBody>
-                    <a:bodyPr/>
-                    <a:p>
-                      <a:pPr algn="ctr">
-                        <a:defRPr/>
-                      </a:pPr>
-                      <a:r>
-                        <a:rPr lang="en-GB" sz="1800"/>
-                        <a:t>The fill value is assigned to each index of the arrays.</a:t>
-                      </a:r>
-                      <a:endParaRPr/>
-                    </a:p>
-                  </a:txBody>
-                  <a:tcPr marL="12322" marR="12322" marT="6162" marB="6162" anchor="ctr">
-                    <a:lnL w="19049" algn="ctr">
-                      <a:solidFill>
-                        <a:srgbClr val="89C01C"/>
-                      </a:solidFill>
-                    </a:lnL>
-                    <a:lnR w="19049" algn="ctr">
-                      <a:solidFill>
-                        <a:srgbClr val="89C01C"/>
-                      </a:solidFill>
-                    </a:lnR>
-                    <a:lnT w="19049" algn="ctr">
-                      <a:solidFill>
-                        <a:srgbClr val="89C01C"/>
-                      </a:solidFill>
-                    </a:lnT>
-                    <a:lnB w="19049" algn="ctr">
-                      <a:solidFill>
-                        <a:srgbClr val="89C01C"/>
-                      </a:solidFill>
-                    </a:lnB>
-                  </a:tcPr>
-                </a:tc>
-              </a:tr>
-              <a:tr h="160205">
-                <a:tc>
-                  <a:txBody>
-                    <a:bodyPr/>
-                    <a:p>
-                      <a:pPr algn="ctr">
-                        <a:defRPr/>
-                      </a:pPr>
-                      <a:r>
-                        <a:rPr lang="en-IN" sz="1800"/>
-                        <a:t>deepToString</a:t>
-                      </a:r>
-                      <a:r>
-                        <a:rPr lang="en-IN" sz="1800"/>
-                        <a:t>(Object[]a)</a:t>
-                      </a:r>
-                      <a:endParaRPr/>
-                    </a:p>
-                  </a:txBody>
-                  <a:tcPr marL="12322" marR="12322" marT="6162" marB="6162" anchor="ctr">
-                    <a:lnL w="19049" algn="ctr">
-                      <a:solidFill>
-                        <a:srgbClr val="89C01C"/>
-                      </a:solidFill>
-                    </a:lnL>
-                    <a:lnR w="19049" algn="ctr">
-                      <a:solidFill>
-                        <a:srgbClr val="89C01C"/>
-                      </a:solidFill>
-                    </a:lnR>
-                    <a:lnT w="19049" algn="ctr">
-                      <a:solidFill>
-                        <a:srgbClr val="89C01C"/>
-                      </a:solidFill>
-                    </a:lnT>
-                    <a:lnB w="19049" algn="ctr">
-                      <a:solidFill>
-                        <a:srgbClr val="89C01C"/>
-                      </a:solidFill>
-                    </a:lnB>
-                  </a:tcPr>
-                </a:tc>
-                <a:tc>
-                  <a:txBody>
-                    <a:bodyPr/>
-                    <a:p>
-                      <a:pPr algn="ctr">
-                        <a:defRPr/>
-                      </a:pPr>
-                      <a:r>
-                        <a:rPr lang="en-GB" sz="1800"/>
-                        <a:t>A string representation is returned of the deep contents and details of the concerned array.</a:t>
-                      </a:r>
-                      <a:endParaRPr/>
-                    </a:p>
-                  </a:txBody>
-                  <a:tcPr marL="12322" marR="12322" marT="6162" marB="6162" anchor="ctr">
-                    <a:lnL w="19049" algn="ctr">
-                      <a:solidFill>
-                        <a:srgbClr val="89C01C"/>
-                      </a:solidFill>
-                    </a:lnL>
-                    <a:lnR w="19049" algn="ctr">
-                      <a:solidFill>
-                        <a:srgbClr val="89C01C"/>
-                      </a:solidFill>
-                    </a:lnR>
-                    <a:lnT w="19049" algn="ctr">
-                      <a:solidFill>
-                        <a:srgbClr val="89C01C"/>
-                      </a:solidFill>
-                    </a:lnT>
-                    <a:lnB w="19049" algn="ctr">
-                      <a:solidFill>
-                        <a:srgbClr val="89C01C"/>
-                      </a:solidFill>
-                    </a:lnB>
-                  </a:tcPr>
-                </a:tc>
-              </a:tr>
-              <a:tr h="209499">
-                <a:tc>
-                  <a:txBody>
-                    <a:bodyPr/>
-                    <a:p>
-                      <a:pPr algn="ctr">
-                        <a:defRPr/>
-                      </a:pPr>
-                      <a:r>
-                        <a:rPr lang="en-IN" sz="1800"/>
-                        <a:t>deepHashcode</a:t>
-                      </a:r>
-                      <a:r>
-                        <a:rPr lang="en-IN" sz="1800"/>
-                        <a:t>(Object[]a)</a:t>
-                      </a:r>
-                      <a:endParaRPr/>
-                    </a:p>
-                  </a:txBody>
-                  <a:tcPr marL="12322" marR="12322" marT="6162" marB="6162" anchor="ctr">
-                    <a:lnL w="19049" algn="ctr">
-                      <a:solidFill>
-                        <a:srgbClr val="89C01C"/>
-                      </a:solidFill>
-                    </a:lnL>
-                    <a:lnR w="19049" algn="ctr">
-                      <a:solidFill>
-                        <a:srgbClr val="89C01C"/>
-                      </a:solidFill>
-                    </a:lnR>
-                    <a:lnT w="19049" algn="ctr">
-                      <a:solidFill>
-                        <a:srgbClr val="89C01C"/>
-                      </a:solidFill>
-                    </a:lnT>
-                    <a:lnB w="19049" algn="ctr">
-                      <a:solidFill>
-                        <a:srgbClr val="89C01C"/>
-                      </a:solidFill>
-                    </a:lnB>
-                  </a:tcPr>
-                </a:tc>
-                <a:tc>
-                  <a:txBody>
-                    <a:bodyPr/>
-                    <a:p>
-                      <a:pPr algn="ctr">
-                        <a:defRPr/>
-                      </a:pPr>
-                      <a:r>
-                        <a:rPr lang="en-GB" sz="1800"/>
-                        <a:t>This method will receive an array and compute hash code based on the deep content in an array and return it in an integer.</a:t>
-                      </a:r>
-                      <a:endParaRPr/>
-                    </a:p>
-                  </a:txBody>
-                  <a:tcPr marL="12322" marR="12322" marT="6162" marB="6162" anchor="ctr">
-                    <a:lnL w="19049" algn="ctr">
-                      <a:solidFill>
-                        <a:srgbClr val="89C01C"/>
-                      </a:solidFill>
-                    </a:lnL>
-                    <a:lnR w="19049" algn="ctr">
-                      <a:solidFill>
-                        <a:srgbClr val="89C01C"/>
-                      </a:solidFill>
-                    </a:lnR>
-                    <a:lnT w="19049" algn="ctr">
-                      <a:solidFill>
-                        <a:srgbClr val="89C01C"/>
-                      </a:solidFill>
-                    </a:lnT>
-                    <a:lnB w="19049" algn="ctr">
-                      <a:solidFill>
-                        <a:srgbClr val="89C01C"/>
-                      </a:solidFill>
-                    </a:lnB>
-                  </a:tcPr>
-                </a:tc>
-              </a:tr>
-              <a:tr h="110911">
-                <a:tc>
-                  <a:txBody>
-                    <a:bodyPr/>
-                    <a:p>
-                      <a:pPr algn="ctr">
-                        <a:defRPr/>
-                      </a:pPr>
-                      <a:r>
-                        <a:rPr lang="en-GB" sz="1800"/>
-                        <a:t>deepEquals</a:t>
-                      </a:r>
-                      <a:r>
-                        <a:rPr lang="en-GB" sz="1800"/>
-                        <a:t>(Object[]a1, Object[]a2)</a:t>
-                      </a:r>
-                      <a:endParaRPr/>
-                    </a:p>
-                  </a:txBody>
-                  <a:tcPr marL="12322" marR="12322" marT="6162" marB="6162" anchor="ctr">
-                    <a:lnL w="19049" algn="ctr">
-                      <a:solidFill>
-                        <a:srgbClr val="89C01C"/>
-                      </a:solidFill>
-                    </a:lnL>
-                    <a:lnR w="19049" algn="ctr">
-                      <a:solidFill>
-                        <a:srgbClr val="89C01C"/>
-                      </a:solidFill>
-                    </a:lnR>
-                    <a:lnT w="19049" algn="ctr">
-                      <a:solidFill>
-                        <a:srgbClr val="89C01C"/>
-                      </a:solidFill>
-                    </a:lnT>
-                    <a:lnB w="19049" algn="ctr">
-                      <a:solidFill>
-                        <a:srgbClr val="89C01C"/>
-                      </a:solidFill>
-                    </a:lnB>
-                  </a:tcPr>
-                </a:tc>
-                <a:tc>
-                  <a:txBody>
-                    <a:bodyPr/>
-                    <a:p>
-                      <a:pPr algn="ctr">
-                        <a:defRPr/>
-                      </a:pPr>
-                      <a:r>
-                        <a:rPr lang="en-GB" sz="1800"/>
-                        <a:t>It returns true only if the 2 concerned arrays are equal to one another.</a:t>
-                      </a:r>
-                      <a:endParaRPr/>
-                    </a:p>
-                  </a:txBody>
-                  <a:tcPr marL="12322" marR="12322" marT="6162" marB="6162" anchor="ctr">
-                    <a:lnL w="19049" algn="ctr">
-                      <a:solidFill>
-                        <a:srgbClr val="89C01C"/>
-                      </a:solidFill>
-                    </a:lnL>
-                    <a:lnR w="19049" algn="ctr">
-                      <a:solidFill>
-                        <a:srgbClr val="89C01C"/>
-                      </a:solidFill>
-                    </a:lnR>
-                    <a:lnT w="19049" algn="ctr">
-                      <a:solidFill>
-                        <a:srgbClr val="89C01C"/>
-                      </a:solidFill>
-                    </a:lnT>
-                    <a:lnB w="19049" algn="ctr">
-                      <a:solidFill>
-                        <a:srgbClr val="89C01C"/>
-                      </a:solidFill>
-                    </a:lnB>
-                  </a:tcPr>
-                </a:tc>
-              </a:tr>
-              <a:tr h="110911">
-                <a:tc>
-                  <a:txBody>
-                    <a:bodyPr/>
-                    <a:p>
-                      <a:pPr algn="ctr">
-                        <a:defRPr/>
-                      </a:pPr>
-                      <a:r>
-                        <a:rPr lang="en-IN" sz="1800"/>
-                        <a:t>copyOfRange</a:t>
-                      </a:r>
-                      <a:r>
-                        <a:rPr lang="en-IN" sz="1800"/>
-                        <a:t>(</a:t>
-                      </a:r>
-                      <a:r>
-                        <a:rPr lang="en-IN" sz="1800"/>
-                        <a:t>originalArray</a:t>
-                      </a:r>
-                      <a:r>
-                        <a:rPr lang="en-IN" sz="1800"/>
-                        <a:t>, </a:t>
-                      </a:r>
-                      <a:r>
-                        <a:rPr lang="en-IN" sz="1800"/>
-                        <a:t>fromIndex</a:t>
-                      </a:r>
-                      <a:r>
-                        <a:rPr lang="en-IN" sz="1800"/>
-                        <a:t>, </a:t>
-                      </a:r>
-                      <a:r>
-                        <a:rPr lang="en-IN" sz="1800"/>
-                        <a:t>endIndex</a:t>
-                      </a:r>
-                      <a:r>
-                        <a:rPr lang="en-IN" sz="1800"/>
-                        <a:t>)</a:t>
-                      </a:r>
-                      <a:endParaRPr/>
-                    </a:p>
-                  </a:txBody>
-                  <a:tcPr marL="12322" marR="12322" marT="6162" marB="6162" anchor="ctr">
-                    <a:lnL w="19049" algn="ctr">
-                      <a:solidFill>
-                        <a:srgbClr val="89C01C"/>
-                      </a:solidFill>
-                    </a:lnL>
-                    <a:lnR w="19049" algn="ctr">
-                      <a:solidFill>
-                        <a:srgbClr val="89C01C"/>
-                      </a:solidFill>
-                    </a:lnR>
-                    <a:lnT w="19049" algn="ctr">
-                      <a:solidFill>
-                        <a:srgbClr val="89C01C"/>
-                      </a:solidFill>
-                    </a:lnT>
-                    <a:lnB w="19049" algn="ctr">
-                      <a:solidFill>
-                        <a:srgbClr val="89C01C"/>
-                      </a:solidFill>
-                    </a:lnB>
-                  </a:tcPr>
-                </a:tc>
-                <a:tc>
-                  <a:txBody>
-                    <a:bodyPr/>
-                    <a:p>
-                      <a:pPr algn="ctr">
-                        <a:defRPr/>
-                      </a:pPr>
-                      <a:r>
-                        <a:rPr lang="en-GB" sz="1800"/>
-                        <a:t>The concerned range of the concerned array is copied into the new array.</a:t>
-                      </a:r>
-                      <a:endParaRPr/>
-                    </a:p>
-                  </a:txBody>
-                  <a:tcPr marL="12322" marR="12322" marT="6162" marB="6162" anchor="ctr">
-                    <a:lnL w="19049" algn="ctr">
-                      <a:solidFill>
-                        <a:srgbClr val="89C01C"/>
-                      </a:solidFill>
-                    </a:lnL>
-                    <a:lnR w="19049" algn="ctr">
-                      <a:solidFill>
-                        <a:srgbClr val="89C01C"/>
-                      </a:solidFill>
-                    </a:lnR>
-                    <a:lnT w="19049" algn="ctr">
-                      <a:solidFill>
-                        <a:srgbClr val="89C01C"/>
-                      </a:solidFill>
-                    </a:lnT>
-                    <a:lnB w="19049" algn="ctr">
-                      <a:solidFill>
-                        <a:srgbClr val="89C01C"/>
-                      </a:solidFill>
-                    </a:lnB>
-                  </a:tcPr>
-                </a:tc>
-              </a:tr>
-              <a:tr h="209499">
-                <a:tc>
-                  <a:txBody>
-                    <a:bodyPr/>
-                    <a:p>
-                      <a:pPr algn="ctr">
-                        <a:defRPr/>
-                      </a:pPr>
-                      <a:r>
-                        <a:rPr lang="en-IN" sz="1800"/>
-                        <a:t>copyOf</a:t>
-                      </a:r>
-                      <a:r>
-                        <a:rPr lang="en-IN" sz="1800"/>
-                        <a:t>(</a:t>
-                      </a:r>
-                      <a:r>
-                        <a:rPr lang="en-IN" sz="1800"/>
-                        <a:t>originalArray</a:t>
-                      </a:r>
-                      <a:r>
-                        <a:rPr lang="en-IN" sz="1800"/>
-                        <a:t>, </a:t>
-                      </a:r>
-                      <a:r>
-                        <a:rPr lang="en-IN" sz="1800"/>
-                        <a:t>newLength</a:t>
-                      </a:r>
-                      <a:r>
-                        <a:rPr lang="en-IN" sz="1800"/>
-                        <a:t>)</a:t>
-                      </a:r>
-                      <a:endParaRPr/>
-                    </a:p>
-                  </a:txBody>
-                  <a:tcPr marL="12322" marR="12322" marT="6162" marB="6162" anchor="ctr">
-                    <a:lnL w="19049" algn="ctr">
-                      <a:solidFill>
-                        <a:srgbClr val="89C01C"/>
-                      </a:solidFill>
-                    </a:lnL>
-                    <a:lnR w="19049" algn="ctr">
-                      <a:solidFill>
-                        <a:srgbClr val="89C01C"/>
-                      </a:solidFill>
-                    </a:lnR>
-                    <a:lnT w="19049" algn="ctr">
-                      <a:solidFill>
-                        <a:srgbClr val="89C01C"/>
-                      </a:solidFill>
-                    </a:lnT>
-                    <a:lnB w="19049" algn="ctr">
-                      <a:solidFill>
-                        <a:srgbClr val="89C01C"/>
-                      </a:solidFill>
-                    </a:lnB>
-                  </a:tcPr>
-                </a:tc>
-                <a:tc>
-                  <a:txBody>
-                    <a:bodyPr/>
-                    <a:p>
-                      <a:pPr algn="ctr">
-                        <a:defRPr/>
-                      </a:pPr>
-                      <a:r>
-                        <a:rPr lang="en-GB" sz="1800"/>
-                        <a:t>Copies the specified array, truncating or padding with the default value (if necessary) so the copy has the specified length.</a:t>
-                      </a:r>
-                      <a:endParaRPr/>
-                    </a:p>
-                  </a:txBody>
-                  <a:tcPr marL="12322" marR="12322" marT="6162" marB="6162" anchor="ctr">
-                    <a:lnL w="19049" algn="ctr">
-                      <a:solidFill>
-                        <a:srgbClr val="89C01C"/>
-                      </a:solidFill>
-                    </a:lnL>
-                    <a:lnR w="19049" algn="ctr">
-                      <a:solidFill>
-                        <a:srgbClr val="89C01C"/>
-                      </a:solidFill>
-                    </a:lnR>
-                    <a:lnT w="19049" algn="ctr">
-                      <a:solidFill>
-                        <a:srgbClr val="89C01C"/>
-                      </a:solidFill>
-                    </a:lnT>
-                    <a:lnB w="19049" algn="ctr">
-                      <a:solidFill>
-                        <a:srgbClr val="89C01C"/>
-                      </a:solidFill>
-                    </a:lnB>
-                  </a:tcPr>
-                </a:tc>
-              </a:tr>
-              <a:tr h="160205">
-                <a:tc>
-                  <a:txBody>
-                    <a:bodyPr/>
-                    <a:p>
-                      <a:pPr algn="ctr">
-                        <a:defRPr/>
-                      </a:pPr>
-                      <a:r>
-                        <a:rPr lang="en-IN" sz="1800"/>
-                        <a:t>compare(array 1, array2)</a:t>
-                      </a:r>
-                      <a:endParaRPr/>
-                    </a:p>
-                  </a:txBody>
-                  <a:tcPr marL="12322" marR="12322" marT="6162" marB="6162" anchor="ctr">
-                    <a:lnL w="19049" algn="ctr">
-                      <a:solidFill>
-                        <a:srgbClr val="89C01C"/>
-                      </a:solidFill>
-                    </a:lnL>
-                    <a:lnR w="19049" algn="ctr">
-                      <a:solidFill>
-                        <a:srgbClr val="89C01C"/>
-                      </a:solidFill>
-                    </a:lnR>
-                    <a:lnT w="19049" algn="ctr">
-                      <a:solidFill>
-                        <a:srgbClr val="89C01C"/>
-                      </a:solidFill>
-                    </a:lnT>
-                    <a:lnB w="19049" algn="ctr">
-                      <a:solidFill>
-                        <a:srgbClr val="89C01C"/>
-                      </a:solidFill>
-                    </a:lnB>
-                  </a:tcPr>
-                </a:tc>
-                <a:tc>
-                  <a:txBody>
-                    <a:bodyPr/>
-                    <a:p>
-                      <a:pPr algn="ctr">
-                        <a:defRPr/>
-                      </a:pPr>
-                      <a:r>
-                        <a:rPr lang="en-GB" sz="1800"/>
-                        <a:t>Two arrays that are passed as parameters lexicographically are compared to each other</a:t>
-                      </a:r>
-                      <a:endParaRPr/>
-                    </a:p>
-                  </a:txBody>
-                  <a:tcPr marL="12322" marR="12322" marT="6162" marB="6162" anchor="ctr">
-                    <a:lnL w="19049" algn="ctr">
-                      <a:solidFill>
-                        <a:srgbClr val="89C01C"/>
-                      </a:solidFill>
-                    </a:lnL>
-                    <a:lnR w="19049" algn="ctr">
-                      <a:solidFill>
-                        <a:srgbClr val="89C01C"/>
-                      </a:solidFill>
-                    </a:lnR>
-                    <a:lnT w="19049" algn="ctr">
-                      <a:solidFill>
-                        <a:srgbClr val="89C01C"/>
-                      </a:solidFill>
-                    </a:lnT>
-                    <a:lnB w="19049" algn="ctr">
-                      <a:solidFill>
-                        <a:srgbClr val="89C01C"/>
-                      </a:solidFill>
-                    </a:lnB>
-                  </a:tcPr>
-                </a:tc>
-              </a:tr>
-            </a:tbl>
-          </a:graphicData>
-        </a:graphic>
-      </p:graphicFrame>
+      </p:pic>
     </p:spTree>
   </p:cSld>
   <p:clrMapOvr>
@@ -6264,20 +5354,130 @@
   </p:clrMapOvr>
   <mc:AlternateContent xmlns:mc="http://schemas.openxmlformats.org/markup-compatibility/2006">
     <mc:Choice xmlns:p14="http://schemas.microsoft.com/office/powerpoint/2010/main" Requires="p14">
-      <p:transition spd="med" p14:dur="700" advClick="1">
-        <p:fade thruBlk="0"/>
-      </p:transition>
+      <p:transition p14:dur="2000" advClick="1"/>
     </mc:Choice>
     <mc:Fallback>
-      <p:transition spd="med" advClick="1">
-        <p:fade thruBlk="0"/>
-      </p:transition>
+      <p:transition advClick="1"/>
     </mc:Fallback>
   </mc:AlternateContent>
 </p:sld>
 </file>
 
 <file path=ppt/slides/slide11.xml><?xml version="1.0" encoding="utf-8"?>
+<p:sld xmlns:a="http://schemas.openxmlformats.org/drawingml/2006/main" xmlns:r="http://schemas.openxmlformats.org/officeDocument/2006/relationships" xmlns:p="http://schemas.openxmlformats.org/presentationml/2006/main" xmlns:m="http://schemas.openxmlformats.org/officeDocument/2006/math" xmlns:w="http://schemas.openxmlformats.org/wordprocessingml/2006/main" showMasterPhAnim="0" show="1">
+  <p:cSld name="">
+    <p:spTree>
+      <p:nvGrpSpPr>
+        <p:cNvPr id="1" name=""/>
+        <p:cNvGrpSpPr/>
+        <p:nvPr/>
+      </p:nvGrpSpPr>
+      <p:grpSpPr bwMode="auto">
+        <a:xfrm>
+          <a:off x="0" y="0"/>
+          <a:ext cx="0" cy="0"/>
+          <a:chOff x="0" y="0"/>
+          <a:chExt cx="0" cy="0"/>
+        </a:xfrm>
+      </p:grpSpPr>
+      <p:pic>
+        <p:nvPicPr>
+          <p:cNvPr id="640936152" name=""/>
+          <p:cNvPicPr>
+            <a:picLocks noChangeAspect="1"/>
+          </p:cNvPicPr>
+          <p:nvPr>
+            <p:ph sz="half" idx="1"/>
+          </p:nvPr>
+        </p:nvPicPr>
+        <p:blipFill>
+          <a:blip r:embed="rId2"/>
+          <a:stretch/>
+        </p:blipFill>
+        <p:spPr bwMode="auto">
+          <a:xfrm rot="0" flipH="0" flipV="0">
+            <a:off x="217025" y="305558"/>
+            <a:ext cx="11565647" cy="5837094"/>
+          </a:xfrm>
+          <a:prstGeom prst="rect">
+            <a:avLst/>
+          </a:prstGeom>
+        </p:spPr>
+      </p:pic>
+    </p:spTree>
+  </p:cSld>
+  <p:clrMapOvr>
+    <a:masterClrMapping/>
+  </p:clrMapOvr>
+  <mc:AlternateContent xmlns:mc="http://schemas.openxmlformats.org/markup-compatibility/2006">
+    <mc:Choice xmlns:p14="http://schemas.microsoft.com/office/powerpoint/2010/main" Requires="p14">
+      <p:transition p14:dur="2000" advClick="1"/>
+    </mc:Choice>
+    <mc:Fallback>
+      <p:transition advClick="1"/>
+    </mc:Fallback>
+  </mc:AlternateContent>
+</p:sld>
+</file>
+
+<file path=ppt/slides/slide12.xml><?xml version="1.0" encoding="utf-8"?>
+<p:sld xmlns:a="http://schemas.openxmlformats.org/drawingml/2006/main" xmlns:r="http://schemas.openxmlformats.org/officeDocument/2006/relationships" xmlns:p="http://schemas.openxmlformats.org/presentationml/2006/main" xmlns:m="http://schemas.openxmlformats.org/officeDocument/2006/math" xmlns:w="http://schemas.openxmlformats.org/wordprocessingml/2006/main" showMasterPhAnim="0" show="1">
+  <p:cSld name="">
+    <p:spTree>
+      <p:nvGrpSpPr>
+        <p:cNvPr id="1" name=""/>
+        <p:cNvGrpSpPr/>
+        <p:nvPr/>
+      </p:nvGrpSpPr>
+      <p:grpSpPr bwMode="auto">
+        <a:xfrm>
+          <a:off x="0" y="0"/>
+          <a:ext cx="0" cy="0"/>
+          <a:chOff x="0" y="0"/>
+          <a:chExt cx="0" cy="0"/>
+        </a:xfrm>
+      </p:grpSpPr>
+      <p:pic>
+        <p:nvPicPr>
+          <p:cNvPr id="451022123" name=""/>
+          <p:cNvPicPr>
+            <a:picLocks noChangeAspect="1"/>
+          </p:cNvPicPr>
+          <p:nvPr>
+            <p:ph sz="half" idx="1"/>
+          </p:nvPr>
+        </p:nvPicPr>
+        <p:blipFill>
+          <a:blip r:embed="rId2"/>
+          <a:stretch/>
+        </p:blipFill>
+        <p:spPr bwMode="auto">
+          <a:xfrm rot="0" flipH="0" flipV="0">
+            <a:off x="120291" y="311020"/>
+            <a:ext cx="11804740" cy="5928826"/>
+          </a:xfrm>
+          <a:prstGeom prst="rect">
+            <a:avLst/>
+          </a:prstGeom>
+        </p:spPr>
+      </p:pic>
+    </p:spTree>
+  </p:cSld>
+  <p:clrMapOvr>
+    <a:masterClrMapping/>
+  </p:clrMapOvr>
+  <mc:AlternateContent xmlns:mc="http://schemas.openxmlformats.org/markup-compatibility/2006">
+    <mc:Choice xmlns:p14="http://schemas.microsoft.com/office/powerpoint/2010/main" Requires="p14">
+      <p:transition p14:dur="2000" advClick="1"/>
+    </mc:Choice>
+    <mc:Fallback>
+      <p:transition advClick="1"/>
+    </mc:Fallback>
+  </mc:AlternateContent>
+</p:sld>
+</file>
+
+<file path=ppt/slides/slide13.xml><?xml version="1.0" encoding="utf-8"?>
 <p:sld xmlns:a="http://schemas.openxmlformats.org/drawingml/2006/main" xmlns:r="http://schemas.openxmlformats.org/officeDocument/2006/relationships" xmlns:p="http://schemas.openxmlformats.org/presentationml/2006/main" xmlns:m="http://schemas.openxmlformats.org/officeDocument/2006/math" xmlns:w="http://schemas.openxmlformats.org/wordprocessingml/2006/main" showMasterPhAnim="0" show="1">
   <p:cSld name="">
     <p:spTree>
@@ -8576,628 +7776,30 @@
           <a:chExt cx="0" cy="0"/>
         </a:xfrm>
       </p:grpSpPr>
-      <p:sp>
-        <p:nvSpPr>
-          <p:cNvPr id="3" name="Rectangle 2"/>
-          <p:cNvSpPr/>
-          <p:nvPr/>
-        </p:nvSpPr>
+      <p:pic>
+        <p:nvPicPr>
+          <p:cNvPr id="865433516" name=""/>
+          <p:cNvPicPr>
+            <a:picLocks noChangeAspect="1"/>
+          </p:cNvPicPr>
+          <p:nvPr>
+            <p:ph sz="half" idx="1"/>
+          </p:nvPr>
+        </p:nvPicPr>
+        <p:blipFill>
+          <a:blip r:embed="rId2"/>
+          <a:stretch/>
+        </p:blipFill>
         <p:spPr bwMode="auto">
-          <a:xfrm>
-            <a:off x="-32068" y="1"/>
-            <a:ext cx="9483750" cy="762000"/>
+          <a:xfrm rot="0" flipH="0" flipV="0">
+            <a:off x="-21737" y="16465"/>
+            <a:ext cx="11978574" cy="6456646"/>
           </a:xfrm>
           <a:prstGeom prst="rect">
             <a:avLst/>
           </a:prstGeom>
         </p:spPr>
-        <p:txBody>
-          <a:bodyPr vert="horz" lIns="121898" tIns="60949" rIns="121898" bIns="60949" rtlCol="0" anchor="b">
-            <a:noAutofit/>
-          </a:bodyPr>
-          <a:lstStyle/>
-          <a:p>
-            <a:pPr>
-              <a:defRPr/>
-            </a:pPr>
-            <a:r>
-              <a:rPr lang="en-US" sz="4000" b="1"/>
-              <a:t>Method of Arrays Class </a:t>
-            </a:r>
-            <a:endParaRPr/>
-          </a:p>
-        </p:txBody>
-      </p:sp>
-      <p:graphicFrame>
-        <p:nvGraphicFramePr>
-          <p:cNvPr id="2" name="Table 1"/>
-          <p:cNvGraphicFramePr>
-            <a:graphicFrameLocks xmlns:a="http://schemas.openxmlformats.org/drawingml/2006/main" noGrp="1"/>
-          </p:cNvGraphicFramePr>
-          <p:nvPr/>
-        </p:nvGraphicFramePr>
-        <p:xfrm>
-          <a:off x="303212" y="766512"/>
-          <a:ext cx="11277600" cy="5572668"/>
-        </p:xfrm>
-        <a:graphic>
-          <a:graphicData uri="http://schemas.openxmlformats.org/drawingml/2006/table">
-            <a:tbl>
-              <a:tblPr firstRow="0" firstCol="0" lastRow="0" lastCol="0" bandRow="0" bandCol="0"/>
-              <a:tblGrid>
-                <a:gridCol w="5644767"/>
-                <a:gridCol w="5632833"/>
-              </a:tblGrid>
-              <a:tr h="61617">
-                <a:tc>
-                  <a:txBody>
-                    <a:bodyPr/>
-                    <a:p>
-                      <a:pPr algn="ctr">
-                        <a:defRPr/>
-                      </a:pPr>
-                      <a:r>
-                        <a:rPr lang="en-IN" sz="1800">
-                          <a:solidFill>
-                            <a:schemeClr val="bg1"/>
-                          </a:solidFill>
-                        </a:rPr>
-                        <a:t>Method Name</a:t>
-                      </a:r>
-                      <a:endParaRPr/>
-                    </a:p>
-                  </a:txBody>
-                  <a:tcPr marL="12322" marR="12322" marT="6162" marB="6162" anchor="ctr">
-                    <a:lnL w="12699" algn="ctr">
-                      <a:solidFill>
-                        <a:srgbClr val="000000"/>
-                      </a:solidFill>
-                    </a:lnL>
-                    <a:lnR w="12699" algn="ctr">
-                      <a:solidFill>
-                        <a:srgbClr val="000000"/>
-                      </a:solidFill>
-                    </a:lnR>
-                    <a:lnT w="12699" algn="ctr">
-                      <a:solidFill>
-                        <a:srgbClr val="000000"/>
-                      </a:solidFill>
-                    </a:lnT>
-                    <a:lnB w="12699" algn="ctr">
-                      <a:solidFill>
-                        <a:srgbClr val="000000"/>
-                      </a:solidFill>
-                    </a:lnB>
-                    <a:solidFill>
-                      <a:schemeClr val="accent1"/>
-                    </a:solidFill>
-                  </a:tcPr>
-                </a:tc>
-                <a:tc>
-                  <a:txBody>
-                    <a:bodyPr/>
-                    <a:p>
-                      <a:pPr algn="ctr">
-                        <a:defRPr/>
-                      </a:pPr>
-                      <a:r>
-                        <a:rPr lang="en-IN" sz="1800">
-                          <a:solidFill>
-                            <a:schemeClr val="bg1"/>
-                          </a:solidFill>
-                        </a:rPr>
-                        <a:t>Function</a:t>
-                      </a:r>
-                      <a:endParaRPr/>
-                    </a:p>
-                  </a:txBody>
-                  <a:tcPr marL="12322" marR="12322" marT="6162" marB="6162" anchor="ctr">
-                    <a:lnL w="12699" algn="ctr">
-                      <a:solidFill>
-                        <a:srgbClr val="000000"/>
-                      </a:solidFill>
-                    </a:lnL>
-                    <a:lnR w="12699" algn="ctr">
-                      <a:solidFill>
-                        <a:srgbClr val="000000"/>
-                      </a:solidFill>
-                    </a:lnR>
-                    <a:lnT w="12699" algn="ctr">
-                      <a:solidFill>
-                        <a:srgbClr val="000000"/>
-                      </a:solidFill>
-                    </a:lnT>
-                    <a:lnB w="12699" algn="ctr">
-                      <a:solidFill>
-                        <a:srgbClr val="000000"/>
-                      </a:solidFill>
-                    </a:lnB>
-                    <a:solidFill>
-                      <a:schemeClr val="accent1"/>
-                    </a:solidFill>
-                  </a:tcPr>
-                </a:tc>
-              </a:tr>
-              <a:tr h="160205">
-                <a:tc>
-                  <a:txBody>
-                    <a:bodyPr/>
-                    <a:p>
-                      <a:pPr algn="ctr">
-                        <a:defRPr/>
-                      </a:pPr>
-                      <a:r>
-                        <a:rPr lang="en-IN" sz="1800"/>
-                        <a:t>binary search()</a:t>
-                      </a:r>
-                      <a:endParaRPr/>
-                    </a:p>
-                  </a:txBody>
-                  <a:tcPr marL="12322" marR="12322" marT="6162" marB="6162" anchor="ctr">
-                    <a:lnL w="12699" algn="ctr">
-                      <a:solidFill>
-                        <a:srgbClr val="000000"/>
-                      </a:solidFill>
-                    </a:lnL>
-                    <a:lnR w="12699" algn="ctr">
-                      <a:solidFill>
-                        <a:srgbClr val="000000"/>
-                      </a:solidFill>
-                    </a:lnR>
-                    <a:lnT w="12699" algn="ctr">
-                      <a:solidFill>
-                        <a:srgbClr val="000000"/>
-                      </a:solidFill>
-                    </a:lnT>
-                    <a:lnB w="12699" algn="ctr">
-                      <a:solidFill>
-                        <a:srgbClr val="000000"/>
-                      </a:solidFill>
-                    </a:lnB>
-                  </a:tcPr>
-                </a:tc>
-                <a:tc>
-                  <a:txBody>
-                    <a:bodyPr/>
-                    <a:p>
-                      <a:pPr algn="ctr">
-                        <a:defRPr/>
-                      </a:pPr>
-                      <a:r>
-                        <a:rPr lang="en-GB" sz="1800"/>
-                        <a:t>It searches for an element contained in the sorted array by using Binary Search Algorithm.</a:t>
-                      </a:r>
-                      <a:endParaRPr/>
-                    </a:p>
-                  </a:txBody>
-                  <a:tcPr marL="12322" marR="12322" marT="6162" marB="6162" anchor="ctr">
-                    <a:lnL w="12699" algn="ctr">
-                      <a:solidFill>
-                        <a:srgbClr val="000000"/>
-                      </a:solidFill>
-                    </a:lnL>
-                    <a:lnR w="12699" algn="ctr">
-                      <a:solidFill>
-                        <a:srgbClr val="000000"/>
-                      </a:solidFill>
-                    </a:lnR>
-                    <a:lnT w="12699" algn="ctr">
-                      <a:solidFill>
-                        <a:srgbClr val="000000"/>
-                      </a:solidFill>
-                    </a:lnT>
-                    <a:lnB w="12699" algn="ctr">
-                      <a:solidFill>
-                        <a:srgbClr val="000000"/>
-                      </a:solidFill>
-                    </a:lnB>
-                  </a:tcPr>
-                </a:tc>
-              </a:tr>
-              <a:tr h="110911">
-                <a:tc>
-                  <a:txBody>
-                    <a:bodyPr/>
-                    <a:p>
-                      <a:pPr algn="ctr">
-                        <a:defRPr/>
-                      </a:pPr>
-                      <a:r>
-                        <a:rPr lang="en-IN" sz="1800"/>
-                        <a:t>asList()</a:t>
-                      </a:r>
-                      <a:endParaRPr/>
-                    </a:p>
-                  </a:txBody>
-                  <a:tcPr marL="12322" marR="12322" marT="6162" marB="6162" anchor="ctr">
-                    <a:lnL w="12699" algn="ctr">
-                      <a:solidFill>
-                        <a:srgbClr val="000000"/>
-                      </a:solidFill>
-                    </a:lnL>
-                    <a:lnR w="12699" algn="ctr">
-                      <a:solidFill>
-                        <a:srgbClr val="000000"/>
-                      </a:solidFill>
-                    </a:lnR>
-                    <a:lnT w="12699" algn="ctr">
-                      <a:solidFill>
-                        <a:srgbClr val="000000"/>
-                      </a:solidFill>
-                    </a:lnT>
-                    <a:lnB w="12699" algn="ctr">
-                      <a:solidFill>
-                        <a:srgbClr val="000000"/>
-                      </a:solidFill>
-                    </a:lnB>
-                  </a:tcPr>
-                </a:tc>
-                <a:tc>
-                  <a:txBody>
-                    <a:bodyPr/>
-                    <a:p>
-                      <a:pPr algn="ctr">
-                        <a:defRPr/>
-                      </a:pPr>
-                      <a:r>
-                        <a:rPr lang="en-GB" sz="1800"/>
-                        <a:t>It is used to convert an array to a list of elements.</a:t>
-                      </a:r>
-                      <a:endParaRPr/>
-                    </a:p>
-                  </a:txBody>
-                  <a:tcPr marL="12322" marR="12322" marT="6162" marB="6162" anchor="ctr">
-                    <a:lnL w="12699" algn="ctr">
-                      <a:solidFill>
-                        <a:srgbClr val="000000"/>
-                      </a:solidFill>
-                    </a:lnL>
-                    <a:lnR w="12699" algn="ctr">
-                      <a:solidFill>
-                        <a:srgbClr val="000000"/>
-                      </a:solidFill>
-                    </a:lnR>
-                    <a:lnT w="12699" algn="ctr">
-                      <a:solidFill>
-                        <a:srgbClr val="000000"/>
-                      </a:solidFill>
-                    </a:lnT>
-                    <a:lnB w="12699" algn="ctr">
-                      <a:solidFill>
-                        <a:srgbClr val="000000"/>
-                      </a:solidFill>
-                    </a:lnB>
-                  </a:tcPr>
-                </a:tc>
-              </a:tr>
-              <a:tr h="160205">
-                <a:tc>
-                  <a:txBody>
-                    <a:bodyPr/>
-                    <a:p>
-                      <a:pPr algn="ctr">
-                        <a:defRPr/>
-                      </a:pPr>
-                      <a:r>
-                        <a:rPr lang="en-GB" sz="1800"/>
-                        <a:t>binarySearch(array, fromIndex, toIndex, key, Comparator)</a:t>
-                      </a:r>
-                      <a:endParaRPr/>
-                    </a:p>
-                  </a:txBody>
-                  <a:tcPr marL="12322" marR="12322" marT="6162" marB="6162" anchor="ctr">
-                    <a:lnL w="12699" algn="ctr">
-                      <a:solidFill>
-                        <a:srgbClr val="000000"/>
-                      </a:solidFill>
-                    </a:lnL>
-                    <a:lnR w="12699" algn="ctr">
-                      <a:solidFill>
-                        <a:srgbClr val="000000"/>
-                      </a:solidFill>
-                    </a:lnR>
-                    <a:lnT w="12699" algn="ctr">
-                      <a:solidFill>
-                        <a:srgbClr val="000000"/>
-                      </a:solidFill>
-                    </a:lnT>
-                    <a:lnB w="12699" algn="ctr">
-                      <a:solidFill>
-                        <a:srgbClr val="000000"/>
-                      </a:solidFill>
-                    </a:lnB>
-                  </a:tcPr>
-                </a:tc>
-                <a:tc>
-                  <a:txBody>
-                    <a:bodyPr/>
-                    <a:p>
-                      <a:pPr algn="ctr">
-                        <a:defRPr/>
-                      </a:pPr>
-                      <a:r>
-                        <a:rPr lang="en-GB" sz="1800"/>
-                        <a:t>A range of specified arrays for the specified object is searched using the Binary Search Algorithm.</a:t>
-                      </a:r>
-                      <a:endParaRPr/>
-                    </a:p>
-                  </a:txBody>
-                  <a:tcPr marL="12322" marR="12322" marT="6162" marB="6162" anchor="ctr">
-                    <a:lnL w="12699" algn="ctr">
-                      <a:solidFill>
-                        <a:srgbClr val="000000"/>
-                      </a:solidFill>
-                    </a:lnL>
-                    <a:lnR w="12699" algn="ctr">
-                      <a:solidFill>
-                        <a:srgbClr val="000000"/>
-                      </a:solidFill>
-                    </a:lnR>
-                    <a:lnT w="12699" algn="ctr">
-                      <a:solidFill>
-                        <a:srgbClr val="000000"/>
-                      </a:solidFill>
-                    </a:lnT>
-                    <a:lnB w="12699" algn="ctr">
-                      <a:solidFill>
-                        <a:srgbClr val="000000"/>
-                      </a:solidFill>
-                    </a:lnB>
-                  </a:tcPr>
-                </a:tc>
-              </a:tr>
-              <a:tr h="406674">
-                <a:tc>
-                  <a:txBody>
-                    <a:bodyPr/>
-                    <a:p>
-                      <a:pPr algn="ctr">
-                        <a:defRPr/>
-                      </a:pPr>
-                      <a:r>
-                        <a:rPr lang="en-IN" sz="1800"/>
-                        <a:t>toString</a:t>
-                      </a:r>
-                      <a:r>
-                        <a:rPr lang="en-IN" sz="1800"/>
-                        <a:t>(original array)</a:t>
-                      </a:r>
-                      <a:endParaRPr/>
-                    </a:p>
-                  </a:txBody>
-                  <a:tcPr marL="12322" marR="12322" marT="6162" marB="6162" anchor="ctr">
-                    <a:lnL w="12699" algn="ctr">
-                      <a:solidFill>
-                        <a:srgbClr val="000000"/>
-                      </a:solidFill>
-                    </a:lnL>
-                    <a:lnR w="12699" algn="ctr">
-                      <a:solidFill>
-                        <a:srgbClr val="000000"/>
-                      </a:solidFill>
-                    </a:lnR>
-                    <a:lnT w="12699" algn="ctr">
-                      <a:solidFill>
-                        <a:srgbClr val="000000"/>
-                      </a:solidFill>
-                    </a:lnT>
-                    <a:lnB w="12699" algn="ctr">
-                      <a:solidFill>
-                        <a:srgbClr val="000000"/>
-                      </a:solidFill>
-                    </a:lnB>
-                  </a:tcPr>
-                </a:tc>
-                <a:tc>
-                  <a:txBody>
-                    <a:bodyPr/>
-                    <a:p>
-                      <a:pPr algn="ctr">
-                        <a:defRPr/>
-                      </a:pPr>
-                      <a:r>
-                        <a:rPr lang="en-GB" sz="1800"/>
-                        <a:t>A string representation of the contents of the array is returned. This representation consists of a list of the elements of the array enclosed in square brackets ([]). The elements are separated by a comma and a space and each element is converted to a string by the String. value of() function.</a:t>
-                      </a:r>
-                      <a:endParaRPr/>
-                    </a:p>
-                  </a:txBody>
-                  <a:tcPr marL="12322" marR="12322" marT="6162" marB="6162" anchor="ctr">
-                    <a:lnL w="12699" algn="ctr">
-                      <a:solidFill>
-                        <a:srgbClr val="000000"/>
-                      </a:solidFill>
-                    </a:lnL>
-                    <a:lnR w="12699" algn="ctr">
-                      <a:solidFill>
-                        <a:srgbClr val="000000"/>
-                      </a:solidFill>
-                    </a:lnR>
-                    <a:lnT w="12699" algn="ctr">
-                      <a:solidFill>
-                        <a:srgbClr val="000000"/>
-                      </a:solidFill>
-                    </a:lnT>
-                    <a:lnB w="12699" algn="ctr">
-                      <a:solidFill>
-                        <a:srgbClr val="000000"/>
-                      </a:solidFill>
-                    </a:lnB>
-                  </a:tcPr>
-                </a:tc>
-              </a:tr>
-              <a:tr h="357380">
-                <a:tc>
-                  <a:txBody>
-                    <a:bodyPr/>
-                    <a:p>
-                      <a:pPr algn="ctr">
-                        <a:defRPr/>
-                      </a:pPr>
-                      <a:r>
-                        <a:rPr lang="en-IN" sz="1800"/>
-                        <a:t>stream(original array)</a:t>
-                      </a:r>
-                      <a:endParaRPr/>
-                    </a:p>
-                  </a:txBody>
-                  <a:tcPr marL="12322" marR="12322" marT="6162" marB="6162" anchor="ctr">
-                    <a:lnL w="12699" algn="ctr">
-                      <a:solidFill>
-                        <a:srgbClr val="000000"/>
-                      </a:solidFill>
-                    </a:lnL>
-                    <a:lnR w="12699" algn="ctr">
-                      <a:solidFill>
-                        <a:srgbClr val="000000"/>
-                      </a:solidFill>
-                    </a:lnR>
-                    <a:lnT w="12699" algn="ctr">
-                      <a:solidFill>
-                        <a:srgbClr val="000000"/>
-                      </a:solidFill>
-                    </a:lnT>
-                    <a:lnB w="12699" algn="ctr">
-                      <a:solidFill>
-                        <a:srgbClr val="000000"/>
-                      </a:solidFill>
-                    </a:lnB>
-                  </a:tcPr>
-                </a:tc>
-                <a:tc>
-                  <a:txBody>
-                    <a:bodyPr/>
-                    <a:p>
-                      <a:pPr algn="ctr">
-                        <a:defRPr/>
-                      </a:pPr>
-                      <a:r>
-                        <a:rPr lang="en-GB" sz="1800"/>
-                        <a:t>A sequential stream will be returned with an array that is specified by its source. The stream is a sequence of objects represented as a channel of data that​ has a source where the data is situated, and a destination where it is transmitted.</a:t>
-                      </a:r>
-                      <a:endParaRPr/>
-                    </a:p>
-                  </a:txBody>
-                  <a:tcPr marL="12322" marR="12322" marT="6162" marB="6162" anchor="ctr">
-                    <a:lnL w="12699" algn="ctr">
-                      <a:solidFill>
-                        <a:srgbClr val="000000"/>
-                      </a:solidFill>
-                    </a:lnL>
-                    <a:lnR w="12699" algn="ctr">
-                      <a:solidFill>
-                        <a:srgbClr val="000000"/>
-                      </a:solidFill>
-                    </a:lnR>
-                    <a:lnT w="12699" algn="ctr">
-                      <a:solidFill>
-                        <a:srgbClr val="000000"/>
-                      </a:solidFill>
-                    </a:lnT>
-                    <a:lnB w="12699" algn="ctr">
-                      <a:solidFill>
-                        <a:srgbClr val="000000"/>
-                      </a:solidFill>
-                    </a:lnB>
-                  </a:tcPr>
-                </a:tc>
-              </a:tr>
-              <a:tr h="258792">
-                <a:tc>
-                  <a:txBody>
-                    <a:bodyPr/>
-                    <a:p>
-                      <a:pPr algn="ctr">
-                        <a:defRPr/>
-                      </a:pPr>
-                      <a:r>
-                        <a:rPr lang="en-GB" sz="1800"/>
-                        <a:t>spliterator(original array,fromIndex, endIndex )</a:t>
-                      </a:r>
-                      <a:endParaRPr/>
-                    </a:p>
-                  </a:txBody>
-                  <a:tcPr marL="12322" marR="12322" marT="6162" marB="6162" anchor="ctr">
-                    <a:lnL w="12699" algn="ctr">
-                      <a:solidFill>
-                        <a:srgbClr val="000000"/>
-                      </a:solidFill>
-                    </a:lnL>
-                    <a:lnR w="12699" algn="ctr">
-                      <a:solidFill>
-                        <a:srgbClr val="000000"/>
-                      </a:solidFill>
-                    </a:lnR>
-                    <a:lnT w="12699" algn="ctr">
-                      <a:solidFill>
-                        <a:srgbClr val="000000"/>
-                      </a:solidFill>
-                    </a:lnT>
-                    <a:lnB w="12699" algn="ctr">
-                      <a:solidFill>
-                        <a:srgbClr val="000000"/>
-                      </a:solidFill>
-                    </a:lnB>
-                  </a:tcPr>
-                </a:tc>
-                <a:tc>
-                  <a:txBody>
-                    <a:bodyPr/>
-                    <a:p>
-                      <a:pPr algn="ctr">
-                        <a:defRPr/>
-                      </a:pPr>
-                      <a:r>
-                        <a:rPr lang="en-GB" sz="1800"/>
-                        <a:t>A </a:t>
-                      </a:r>
-                      <a:r>
-                        <a:rPr lang="en-GB" sz="1800"/>
-                        <a:t>spliterator</a:t>
-                      </a:r>
-                      <a:r>
-                        <a:rPr lang="en-GB" sz="1800"/>
-                        <a:t> is returned which covers the range of the specified arrays. The </a:t>
-                      </a:r>
-                      <a:r>
-                        <a:rPr lang="en-GB" sz="1800"/>
-                        <a:t>Spliterator</a:t>
-                      </a:r>
-                      <a:r>
-                        <a:rPr lang="en-GB" sz="1800"/>
-                        <a:t> interface can be used for traversing and partitioning sequences.</a:t>
-                      </a:r>
-                      <a:endParaRPr/>
-                    </a:p>
-                  </a:txBody>
-                  <a:tcPr marL="12322" marR="12322" marT="6162" marB="6162" anchor="ctr">
-                    <a:lnL w="12699" algn="ctr">
-                      <a:solidFill>
-                        <a:srgbClr val="000000"/>
-                      </a:solidFill>
-                    </a:lnL>
-                    <a:lnR w="12699" algn="ctr">
-                      <a:solidFill>
-                        <a:srgbClr val="000000"/>
-                      </a:solidFill>
-                    </a:lnR>
-                    <a:lnT w="12699" algn="ctr">
-                      <a:solidFill>
-                        <a:srgbClr val="000000"/>
-                      </a:solidFill>
-                    </a:lnT>
-                    <a:lnB w="12699" algn="ctr">
-                      <a:solidFill>
-                        <a:srgbClr val="000000"/>
-                      </a:solidFill>
-                    </a:lnB>
-                  </a:tcPr>
-                </a:tc>
-              </a:tr>
-            </a:tbl>
-          </a:graphicData>
-        </a:graphic>
-      </p:graphicFrame>
+      </p:pic>
     </p:spTree>
   </p:cSld>
   <p:clrMapOvr>
@@ -9205,14 +7807,10 @@
   </p:clrMapOvr>
   <mc:AlternateContent xmlns:mc="http://schemas.openxmlformats.org/markup-compatibility/2006">
     <mc:Choice xmlns:p14="http://schemas.microsoft.com/office/powerpoint/2010/main" Requires="p14">
-      <p:transition spd="med" p14:dur="700" advClick="1">
-        <p:fade thruBlk="0"/>
-      </p:transition>
+      <p:transition p14:dur="2000" advClick="1"/>
     </mc:Choice>
     <mc:Fallback>
-      <p:transition spd="med" advClick="1">
-        <p:fade thruBlk="0"/>
-      </p:transition>
+      <p:transition advClick="1"/>
     </mc:Fallback>
   </mc:AlternateContent>
 </p:sld>
@@ -9235,1136 +7833,30 @@
           <a:chExt cx="0" cy="0"/>
         </a:xfrm>
       </p:grpSpPr>
-      <p:sp>
-        <p:nvSpPr>
-          <p:cNvPr id="3" name="Rectangle 2"/>
-          <p:cNvSpPr/>
-          <p:nvPr/>
-        </p:nvSpPr>
+      <p:pic>
+        <p:nvPicPr>
+          <p:cNvPr id="1049160391" name=""/>
+          <p:cNvPicPr>
+            <a:picLocks noChangeAspect="1"/>
+          </p:cNvPicPr>
+          <p:nvPr>
+            <p:ph sz="half" idx="1"/>
+          </p:nvPr>
+        </p:nvPicPr>
+        <p:blipFill>
+          <a:blip r:embed="rId2"/>
+          <a:stretch/>
+        </p:blipFill>
         <p:spPr bwMode="auto">
-          <a:xfrm>
-            <a:off x="-32068" y="1"/>
-            <a:ext cx="9483750" cy="762000"/>
+          <a:xfrm rot="0" flipH="0" flipV="0">
+            <a:off x="89190" y="272142"/>
+            <a:ext cx="11695070" cy="6414795"/>
           </a:xfrm>
           <a:prstGeom prst="rect">
             <a:avLst/>
           </a:prstGeom>
         </p:spPr>
-        <p:txBody>
-          <a:bodyPr vert="horz" lIns="121898" tIns="60949" rIns="121898" bIns="60949" rtlCol="0" anchor="b">
-            <a:noAutofit/>
-          </a:bodyPr>
-          <a:lstStyle/>
-          <a:p>
-            <a:pPr>
-              <a:defRPr/>
-            </a:pPr>
-            <a:r>
-              <a:rPr lang="en-US" sz="4000" b="1"/>
-              <a:t>Method of Arrays Class </a:t>
-            </a:r>
-            <a:endParaRPr/>
-          </a:p>
-        </p:txBody>
-      </p:sp>
-      <p:graphicFrame>
-        <p:nvGraphicFramePr>
-          <p:cNvPr id="2" name="Table 1"/>
-          <p:cNvGraphicFramePr>
-            <a:graphicFrameLocks xmlns:a="http://schemas.openxmlformats.org/drawingml/2006/main" noGrp="1"/>
-          </p:cNvGraphicFramePr>
-          <p:nvPr/>
-        </p:nvGraphicFramePr>
-        <p:xfrm>
-          <a:off x="303212" y="766512"/>
-          <a:ext cx="11277600" cy="5634288"/>
-        </p:xfrm>
-        <a:graphic>
-          <a:graphicData uri="http://schemas.openxmlformats.org/drawingml/2006/table">
-            <a:tbl>
-              <a:tblPr firstRow="0" firstCol="0" lastRow="0" lastCol="0" bandRow="0" bandCol="0"/>
-              <a:tblGrid>
-                <a:gridCol w="5644767"/>
-                <a:gridCol w="5632833"/>
-              </a:tblGrid>
-              <a:tr h="61617">
-                <a:tc>
-                  <a:txBody>
-                    <a:bodyPr/>
-                    <a:p>
-                      <a:pPr algn="ctr">
-                        <a:defRPr/>
-                      </a:pPr>
-                      <a:r>
-                        <a:rPr lang="en-IN" sz="1800">
-                          <a:solidFill>
-                            <a:schemeClr val="bg1"/>
-                          </a:solidFill>
-                        </a:rPr>
-                        <a:t>Method Name</a:t>
-                      </a:r>
-                      <a:endParaRPr/>
-                    </a:p>
-                  </a:txBody>
-                  <a:tcPr marL="12322" marR="12322" marT="6162" marB="6162" anchor="ctr">
-                    <a:lnL w="19049" algn="ctr">
-                      <a:solidFill>
-                        <a:schemeClr val="accent1"/>
-                      </a:solidFill>
-                    </a:lnL>
-                    <a:lnR w="19049" algn="ctr">
-                      <a:solidFill>
-                        <a:schemeClr val="accent1"/>
-                      </a:solidFill>
-                    </a:lnR>
-                    <a:lnT w="19049" algn="ctr">
-                      <a:solidFill>
-                        <a:schemeClr val="accent1"/>
-                      </a:solidFill>
-                    </a:lnT>
-                    <a:lnB w="19049" algn="ctr">
-                      <a:solidFill>
-                        <a:schemeClr val="accent1"/>
-                      </a:solidFill>
-                    </a:lnB>
-                    <a:solidFill>
-                      <a:schemeClr val="accent1"/>
-                    </a:solidFill>
-                  </a:tcPr>
-                </a:tc>
-                <a:tc>
-                  <a:txBody>
-                    <a:bodyPr/>
-                    <a:p>
-                      <a:pPr algn="ctr">
-                        <a:defRPr/>
-                      </a:pPr>
-                      <a:r>
-                        <a:rPr lang="en-IN" sz="1800">
-                          <a:solidFill>
-                            <a:schemeClr val="bg1"/>
-                          </a:solidFill>
-                        </a:rPr>
-                        <a:t>Function</a:t>
-                      </a:r>
-                      <a:endParaRPr/>
-                    </a:p>
-                  </a:txBody>
-                  <a:tcPr marL="12322" marR="12322" marT="6162" marB="6162" anchor="ctr">
-                    <a:lnL w="19049" algn="ctr">
-                      <a:solidFill>
-                        <a:schemeClr val="accent1"/>
-                      </a:solidFill>
-                    </a:lnL>
-                    <a:lnR w="19049" algn="ctr">
-                      <a:solidFill>
-                        <a:schemeClr val="accent1"/>
-                      </a:solidFill>
-                    </a:lnR>
-                    <a:lnT w="19049" algn="ctr">
-                      <a:solidFill>
-                        <a:schemeClr val="accent1"/>
-                      </a:solidFill>
-                    </a:lnT>
-                    <a:lnB w="19049" algn="ctr">
-                      <a:solidFill>
-                        <a:schemeClr val="accent1"/>
-                      </a:solidFill>
-                    </a:lnB>
-                    <a:solidFill>
-                      <a:schemeClr val="accent1"/>
-                    </a:solidFill>
-                  </a:tcPr>
-                </a:tc>
-              </a:tr>
-              <a:tr h="110911">
-                <a:tc>
-                  <a:txBody>
-                    <a:bodyPr/>
-                    <a:p>
-                      <a:pPr algn="ctr">
-                        <a:defRPr/>
-                      </a:pPr>
-                      <a:r>
-                        <a:rPr lang="en-IN" sz="1800"/>
-                        <a:t>spliterator</a:t>
-                      </a:r>
-                      <a:r>
-                        <a:rPr lang="en-IN" sz="1800"/>
-                        <a:t>(original array)</a:t>
-                      </a:r>
-                      <a:endParaRPr/>
-                    </a:p>
-                  </a:txBody>
-                  <a:tcPr marL="12322" marR="12322" marT="6162" marB="6162" anchor="ctr">
-                    <a:lnL w="19049" algn="ctr">
-                      <a:solidFill>
-                        <a:schemeClr val="accent1"/>
-                      </a:solidFill>
-                    </a:lnL>
-                    <a:lnR w="19049" algn="ctr">
-                      <a:solidFill>
-                        <a:schemeClr val="accent1"/>
-                      </a:solidFill>
-                    </a:lnR>
-                    <a:lnT w="19049" algn="ctr">
-                      <a:solidFill>
-                        <a:schemeClr val="accent1"/>
-                      </a:solidFill>
-                    </a:lnT>
-                    <a:lnB w="19049" algn="ctr">
-                      <a:solidFill>
-                        <a:schemeClr val="accent1"/>
-                      </a:solidFill>
-                    </a:lnB>
-                  </a:tcPr>
-                </a:tc>
-                <a:tc>
-                  <a:txBody>
-                    <a:bodyPr/>
-                    <a:p>
-                      <a:pPr algn="ctr">
-                        <a:defRPr/>
-                      </a:pPr>
-                      <a:r>
-                        <a:rPr lang="en-GB" sz="1800"/>
-                        <a:t>A </a:t>
-                      </a:r>
-                      <a:r>
-                        <a:rPr lang="en-GB" sz="1800"/>
-                        <a:t>spliterator</a:t>
-                      </a:r>
-                      <a:r>
-                        <a:rPr lang="en-GB" sz="1800"/>
-                        <a:t> covering all the elements of the array is returned.</a:t>
-                      </a:r>
-                      <a:endParaRPr/>
-                    </a:p>
-                  </a:txBody>
-                  <a:tcPr marL="12322" marR="12322" marT="6162" marB="6162" anchor="ctr">
-                    <a:lnL w="19049" algn="ctr">
-                      <a:solidFill>
-                        <a:schemeClr val="accent1"/>
-                      </a:solidFill>
-                    </a:lnL>
-                    <a:lnR w="19049" algn="ctr">
-                      <a:solidFill>
-                        <a:schemeClr val="accent1"/>
-                      </a:solidFill>
-                    </a:lnR>
-                    <a:lnT w="19049" algn="ctr">
-                      <a:solidFill>
-                        <a:schemeClr val="accent1"/>
-                      </a:solidFill>
-                    </a:lnT>
-                    <a:lnB w="19049" algn="ctr">
-                      <a:solidFill>
-                        <a:schemeClr val="accent1"/>
-                      </a:solidFill>
-                    </a:lnB>
-                  </a:tcPr>
-                </a:tc>
-              </a:tr>
-              <a:tr h="160205">
-                <a:tc>
-                  <a:txBody>
-                    <a:bodyPr/>
-                    <a:p>
-                      <a:pPr algn="ctr">
-                        <a:defRPr/>
-                      </a:pPr>
-                      <a:r>
-                        <a:rPr lang="fr-FR" sz="1800"/>
-                        <a:t>sort(T[]a,Comparator &lt;super T&gt;c)</a:t>
-                      </a:r>
-                      <a:endParaRPr/>
-                    </a:p>
-                  </a:txBody>
-                  <a:tcPr marL="12322" marR="12322" marT="6162" marB="6162" anchor="ctr">
-                    <a:lnL w="19049" algn="ctr">
-                      <a:solidFill>
-                        <a:schemeClr val="accent1"/>
-                      </a:solidFill>
-                    </a:lnL>
-                    <a:lnR w="19049" algn="ctr">
-                      <a:solidFill>
-                        <a:schemeClr val="accent1"/>
-                      </a:solidFill>
-                    </a:lnR>
-                    <a:lnT w="19049" algn="ctr">
-                      <a:solidFill>
-                        <a:schemeClr val="accent1"/>
-                      </a:solidFill>
-                    </a:lnT>
-                    <a:lnB w="19049" algn="ctr">
-                      <a:solidFill>
-                        <a:schemeClr val="accent1"/>
-                      </a:solidFill>
-                    </a:lnB>
-                  </a:tcPr>
-                </a:tc>
-                <a:tc>
-                  <a:txBody>
-                    <a:bodyPr/>
-                    <a:p>
-                      <a:pPr algn="ctr">
-                        <a:defRPr/>
-                      </a:pPr>
-                      <a:r>
-                        <a:rPr lang="en-GB" sz="1800"/>
-                        <a:t>The specified array of the objects according to the order which is induced by the comparator is sorted by this.</a:t>
-                      </a:r>
-                      <a:endParaRPr/>
-                    </a:p>
-                  </a:txBody>
-                  <a:tcPr marL="12322" marR="12322" marT="6162" marB="6162" anchor="ctr">
-                    <a:lnL w="19049" algn="ctr">
-                      <a:solidFill>
-                        <a:schemeClr val="accent1"/>
-                      </a:solidFill>
-                    </a:lnL>
-                    <a:lnR w="19049" algn="ctr">
-                      <a:solidFill>
-                        <a:schemeClr val="accent1"/>
-                      </a:solidFill>
-                    </a:lnR>
-                    <a:lnT w="19049" algn="ctr">
-                      <a:solidFill>
-                        <a:schemeClr val="accent1"/>
-                      </a:solidFill>
-                    </a:lnT>
-                    <a:lnB w="19049" algn="ctr">
-                      <a:solidFill>
-                        <a:schemeClr val="accent1"/>
-                      </a:solidFill>
-                    </a:lnB>
-                  </a:tcPr>
-                </a:tc>
-              </a:tr>
-              <a:tr h="110911">
-                <a:tc>
-                  <a:txBody>
-                    <a:bodyPr/>
-                    <a:p>
-                      <a:pPr algn="ctr">
-                        <a:defRPr/>
-                      </a:pPr>
-                      <a:r>
-                        <a:rPr lang="en-IN" sz="1800"/>
-                        <a:t>sort(originalArray, fromIndex, endIndex)</a:t>
-                      </a:r>
-                      <a:endParaRPr/>
-                    </a:p>
-                  </a:txBody>
-                  <a:tcPr marL="12322" marR="12322" marT="6162" marB="6162" anchor="ctr">
-                    <a:lnL w="19049" algn="ctr">
-                      <a:solidFill>
-                        <a:schemeClr val="accent1"/>
-                      </a:solidFill>
-                    </a:lnL>
-                    <a:lnR w="19049" algn="ctr">
-                      <a:solidFill>
-                        <a:schemeClr val="accent1"/>
-                      </a:solidFill>
-                    </a:lnR>
-                    <a:lnT w="19049" algn="ctr">
-                      <a:solidFill>
-                        <a:schemeClr val="accent1"/>
-                      </a:solidFill>
-                    </a:lnT>
-                    <a:lnB w="19049" algn="ctr">
-                      <a:solidFill>
-                        <a:schemeClr val="accent1"/>
-                      </a:solidFill>
-                    </a:lnB>
-                  </a:tcPr>
-                </a:tc>
-                <a:tc>
-                  <a:txBody>
-                    <a:bodyPr/>
-                    <a:p>
-                      <a:pPr algn="ctr">
-                        <a:defRPr/>
-                      </a:pPr>
-                      <a:r>
-                        <a:rPr lang="en-GB" sz="1800"/>
-                        <a:t>The specified range of the array is sorted in ascending order.</a:t>
-                      </a:r>
-                      <a:endParaRPr/>
-                    </a:p>
-                  </a:txBody>
-                  <a:tcPr marL="12322" marR="12322" marT="6162" marB="6162" anchor="ctr">
-                    <a:lnL w="19049" algn="ctr">
-                      <a:solidFill>
-                        <a:schemeClr val="accent1"/>
-                      </a:solidFill>
-                    </a:lnL>
-                    <a:lnR w="19049" algn="ctr">
-                      <a:solidFill>
-                        <a:schemeClr val="accent1"/>
-                      </a:solidFill>
-                    </a:lnR>
-                    <a:lnT w="19049" algn="ctr">
-                      <a:solidFill>
-                        <a:schemeClr val="accent1"/>
-                      </a:solidFill>
-                    </a:lnT>
-                    <a:lnB w="19049" algn="ctr">
-                      <a:solidFill>
-                        <a:schemeClr val="accent1"/>
-                      </a:solidFill>
-                    </a:lnB>
-                  </a:tcPr>
-                </a:tc>
-              </a:tr>
-              <a:tr h="160205">
-                <a:tc>
-                  <a:txBody>
-                    <a:bodyPr/>
-                    <a:p>
-                      <a:pPr algn="ctr">
-                        <a:defRPr/>
-                      </a:pPr>
-                      <a:r>
-                        <a:rPr lang="fr-FR" sz="1800"/>
-                        <a:t>sort(T[]a, </a:t>
-                      </a:r>
-                      <a:r>
-                        <a:rPr lang="fr-FR" sz="1800"/>
-                        <a:t>int</a:t>
-                      </a:r>
-                      <a:r>
-                        <a:rPr lang="fr-FR" sz="1800"/>
-                        <a:t> </a:t>
-                      </a:r>
-                      <a:r>
-                        <a:rPr lang="fr-FR" sz="1800"/>
-                        <a:t>fromIndex</a:t>
-                      </a:r>
-                      <a:r>
-                        <a:rPr lang="fr-FR" sz="1800"/>
-                        <a:t>, </a:t>
-                      </a:r>
-                      <a:r>
-                        <a:rPr lang="fr-FR" sz="1800"/>
-                        <a:t>int</a:t>
-                      </a:r>
-                      <a:r>
-                        <a:rPr lang="fr-FR" sz="1800"/>
-                        <a:t> </a:t>
-                      </a:r>
-                      <a:r>
-                        <a:rPr lang="fr-FR" sz="1800"/>
-                        <a:t>toIndex,Comparator</a:t>
-                      </a:r>
-                      <a:r>
-                        <a:rPr lang="fr-FR" sz="1800"/>
-                        <a:t>&lt;super T&gt;c)</a:t>
-                      </a:r>
-                      <a:endParaRPr/>
-                    </a:p>
-                  </a:txBody>
-                  <a:tcPr marL="12322" marR="12322" marT="6162" marB="6162" anchor="ctr">
-                    <a:lnL w="19049" algn="ctr">
-                      <a:solidFill>
-                        <a:schemeClr val="accent1"/>
-                      </a:solidFill>
-                    </a:lnL>
-                    <a:lnR w="19049" algn="ctr">
-                      <a:solidFill>
-                        <a:schemeClr val="accent1"/>
-                      </a:solidFill>
-                    </a:lnR>
-                    <a:lnT w="19049" algn="ctr">
-                      <a:solidFill>
-                        <a:schemeClr val="accent1"/>
-                      </a:solidFill>
-                    </a:lnT>
-                    <a:lnB w="19049" algn="ctr">
-                      <a:solidFill>
-                        <a:schemeClr val="accent1"/>
-                      </a:solidFill>
-                    </a:lnB>
-                  </a:tcPr>
-                </a:tc>
-                <a:tc>
-                  <a:txBody>
-                    <a:bodyPr/>
-                    <a:p>
-                      <a:pPr algn="ctr">
-                        <a:defRPr/>
-                      </a:pPr>
-                      <a:r>
-                        <a:rPr lang="en-GB" sz="1800"/>
-                        <a:t>The specified range of the specified array of objects according to the specified comparator is sorted.</a:t>
-                      </a:r>
-                      <a:endParaRPr/>
-                    </a:p>
-                  </a:txBody>
-                  <a:tcPr marL="12322" marR="12322" marT="6162" marB="6162" anchor="ctr">
-                    <a:lnL w="19049" algn="ctr">
-                      <a:solidFill>
-                        <a:schemeClr val="accent1"/>
-                      </a:solidFill>
-                    </a:lnL>
-                    <a:lnR w="19049" algn="ctr">
-                      <a:solidFill>
-                        <a:schemeClr val="accent1"/>
-                      </a:solidFill>
-                    </a:lnR>
-                    <a:lnT w="19049" algn="ctr">
-                      <a:solidFill>
-                        <a:schemeClr val="accent1"/>
-                      </a:solidFill>
-                    </a:lnT>
-                    <a:lnB w="19049" algn="ctr">
-                      <a:solidFill>
-                        <a:schemeClr val="accent1"/>
-                      </a:solidFill>
-                    </a:lnB>
-                  </a:tcPr>
-                </a:tc>
-              </a:tr>
-              <a:tr h="110911">
-                <a:tc>
-                  <a:txBody>
-                    <a:bodyPr/>
-                    <a:p>
-                      <a:pPr algn="ctr">
-                        <a:defRPr/>
-                      </a:pPr>
-                      <a:r>
-                        <a:rPr lang="en-IN" sz="1800"/>
-                        <a:t>sort(original array)</a:t>
-                      </a:r>
-                      <a:endParaRPr/>
-                    </a:p>
-                  </a:txBody>
-                  <a:tcPr marL="12322" marR="12322" marT="6162" marB="6162" anchor="ctr">
-                    <a:lnL w="19049" algn="ctr">
-                      <a:solidFill>
-                        <a:schemeClr val="accent1"/>
-                      </a:solidFill>
-                    </a:lnL>
-                    <a:lnR w="19049" algn="ctr">
-                      <a:solidFill>
-                        <a:schemeClr val="accent1"/>
-                      </a:solidFill>
-                    </a:lnR>
-                    <a:lnT w="19049" algn="ctr">
-                      <a:solidFill>
-                        <a:schemeClr val="accent1"/>
-                      </a:solidFill>
-                    </a:lnT>
-                    <a:lnB w="19049" algn="ctr">
-                      <a:solidFill>
-                        <a:schemeClr val="accent1"/>
-                      </a:solidFill>
-                    </a:lnB>
-                  </a:tcPr>
-                </a:tc>
-                <a:tc>
-                  <a:txBody>
-                    <a:bodyPr/>
-                    <a:p>
-                      <a:pPr algn="ctr">
-                        <a:defRPr/>
-                      </a:pPr>
-                      <a:r>
-                        <a:rPr lang="en-GB" sz="1800"/>
-                        <a:t>The entire array is sorted in ascending order</a:t>
-                      </a:r>
-                      <a:endParaRPr/>
-                    </a:p>
-                  </a:txBody>
-                  <a:tcPr marL="12322" marR="12322" marT="6162" marB="6162" anchor="ctr">
-                    <a:lnL w="19049" algn="ctr">
-                      <a:solidFill>
-                        <a:schemeClr val="accent1"/>
-                      </a:solidFill>
-                    </a:lnL>
-                    <a:lnR w="19049" algn="ctr">
-                      <a:solidFill>
-                        <a:schemeClr val="accent1"/>
-                      </a:solidFill>
-                    </a:lnR>
-                    <a:lnT w="19049" algn="ctr">
-                      <a:solidFill>
-                        <a:schemeClr val="accent1"/>
-                      </a:solidFill>
-                    </a:lnT>
-                    <a:lnB w="19049" algn="ctr">
-                      <a:solidFill>
-                        <a:schemeClr val="accent1"/>
-                      </a:solidFill>
-                    </a:lnB>
-                  </a:tcPr>
-                </a:tc>
-              </a:tr>
-              <a:tr h="110911">
-                <a:tc>
-                  <a:txBody>
-                    <a:bodyPr/>
-                    <a:p>
-                      <a:pPr algn="ctr">
-                        <a:defRPr/>
-                      </a:pPr>
-                      <a:r>
-                        <a:rPr lang="en-IN" sz="1800"/>
-                        <a:t>setAll</a:t>
-                      </a:r>
-                      <a:r>
-                        <a:rPr lang="en-IN" sz="1800"/>
-                        <a:t>(</a:t>
-                      </a:r>
-                      <a:r>
-                        <a:rPr lang="en-IN" sz="1800"/>
-                        <a:t>originalArray</a:t>
-                      </a:r>
-                      <a:r>
-                        <a:rPr lang="en-IN" sz="1800"/>
-                        <a:t>, </a:t>
-                      </a:r>
-                      <a:r>
-                        <a:rPr lang="en-IN" sz="1800"/>
-                        <a:t>functionalGenerator</a:t>
-                      </a:r>
-                      <a:r>
-                        <a:rPr lang="en-IN" sz="1800"/>
-                        <a:t>)</a:t>
-                      </a:r>
-                      <a:endParaRPr/>
-                    </a:p>
-                  </a:txBody>
-                  <a:tcPr marL="12322" marR="12322" marT="6162" marB="6162" anchor="ctr">
-                    <a:lnL w="19049" algn="ctr">
-                      <a:solidFill>
-                        <a:schemeClr val="accent1"/>
-                      </a:solidFill>
-                    </a:lnL>
-                    <a:lnR w="19049" algn="ctr">
-                      <a:solidFill>
-                        <a:schemeClr val="accent1"/>
-                      </a:solidFill>
-                    </a:lnR>
-                    <a:lnT w="19049" algn="ctr">
-                      <a:solidFill>
-                        <a:schemeClr val="accent1"/>
-                      </a:solidFill>
-                    </a:lnT>
-                    <a:lnB w="19049" algn="ctr">
-                      <a:solidFill>
-                        <a:schemeClr val="accent1"/>
-                      </a:solidFill>
-                    </a:lnB>
-                  </a:tcPr>
-                </a:tc>
-                <a:tc>
-                  <a:txBody>
-                    <a:bodyPr/>
-                    <a:p>
-                      <a:pPr algn="ctr">
-                        <a:defRPr/>
-                      </a:pPr>
-                      <a:r>
-                        <a:rPr lang="en-GB" sz="1800"/>
-                        <a:t>Sets the elements of the array using the generator function which is already provided.</a:t>
-                      </a:r>
-                      <a:endParaRPr/>
-                    </a:p>
-                  </a:txBody>
-                  <a:tcPr marL="12322" marR="12322" marT="6162" marB="6162" anchor="ctr">
-                    <a:lnL w="19049" algn="ctr">
-                      <a:solidFill>
-                        <a:schemeClr val="accent1"/>
-                      </a:solidFill>
-                    </a:lnL>
-                    <a:lnR w="19049" algn="ctr">
-                      <a:solidFill>
-                        <a:schemeClr val="accent1"/>
-                      </a:solidFill>
-                    </a:lnR>
-                    <a:lnT w="19049" algn="ctr">
-                      <a:solidFill>
-                        <a:schemeClr val="accent1"/>
-                      </a:solidFill>
-                    </a:lnT>
-                    <a:lnB w="19049" algn="ctr">
-                      <a:solidFill>
-                        <a:schemeClr val="accent1"/>
-                      </a:solidFill>
-                    </a:lnB>
-                  </a:tcPr>
-                </a:tc>
-              </a:tr>
-              <a:tr h="110911">
-                <a:tc>
-                  <a:txBody>
-                    <a:bodyPr/>
-                    <a:p>
-                      <a:pPr algn="ctr">
-                        <a:defRPr/>
-                      </a:pPr>
-                      <a:r>
-                        <a:rPr lang="en-IN" sz="1800"/>
-                        <a:t>parallel Sort(original array)</a:t>
-                      </a:r>
-                      <a:endParaRPr/>
-                    </a:p>
-                  </a:txBody>
-                  <a:tcPr marL="12322" marR="12322" marT="6162" marB="6162" anchor="ctr">
-                    <a:lnL w="19049" algn="ctr">
-                      <a:solidFill>
-                        <a:schemeClr val="accent1"/>
-                      </a:solidFill>
-                    </a:lnL>
-                    <a:lnR w="19049" algn="ctr">
-                      <a:solidFill>
-                        <a:schemeClr val="accent1"/>
-                      </a:solidFill>
-                    </a:lnR>
-                    <a:lnT w="19049" algn="ctr">
-                      <a:solidFill>
-                        <a:schemeClr val="accent1"/>
-                      </a:solidFill>
-                    </a:lnT>
-                    <a:lnB w="19049" algn="ctr">
-                      <a:solidFill>
-                        <a:schemeClr val="accent1"/>
-                      </a:solidFill>
-                    </a:lnB>
-                  </a:tcPr>
-                </a:tc>
-                <a:tc>
-                  <a:txBody>
-                    <a:bodyPr/>
-                    <a:p>
-                      <a:pPr algn="ctr">
-                        <a:defRPr/>
-                      </a:pPr>
-                      <a:r>
-                        <a:rPr lang="en-GB" sz="1800"/>
-                        <a:t>Sorts the concerned array using the parallel sort.</a:t>
-                      </a:r>
-                      <a:endParaRPr/>
-                    </a:p>
-                  </a:txBody>
-                  <a:tcPr marL="12322" marR="12322" marT="6162" marB="6162" anchor="ctr">
-                    <a:lnL w="19049" algn="ctr">
-                      <a:solidFill>
-                        <a:schemeClr val="accent1"/>
-                      </a:solidFill>
-                    </a:lnL>
-                    <a:lnR w="19049" algn="ctr">
-                      <a:solidFill>
-                        <a:schemeClr val="accent1"/>
-                      </a:solidFill>
-                    </a:lnR>
-                    <a:lnT w="19049" algn="ctr">
-                      <a:solidFill>
-                        <a:schemeClr val="accent1"/>
-                      </a:solidFill>
-                    </a:lnT>
-                    <a:lnB w="19049" algn="ctr">
-                      <a:solidFill>
-                        <a:schemeClr val="accent1"/>
-                      </a:solidFill>
-                    </a:lnB>
-                  </a:tcPr>
-                </a:tc>
-              </a:tr>
-              <a:tr h="110911">
-                <a:tc>
-                  <a:txBody>
-                    <a:bodyPr/>
-                    <a:p>
-                      <a:pPr algn="ctr">
-                        <a:defRPr/>
-                      </a:pPr>
-                      <a:r>
-                        <a:rPr lang="en-IN" sz="1800"/>
-                        <a:t>paralleSetAll</a:t>
-                      </a:r>
-                      <a:r>
-                        <a:rPr lang="en-IN" sz="1800"/>
-                        <a:t>(</a:t>
-                      </a:r>
-                      <a:r>
-                        <a:rPr lang="en-IN" sz="1800"/>
-                        <a:t>originalArray</a:t>
-                      </a:r>
-                      <a:r>
-                        <a:rPr lang="en-IN" sz="1800"/>
-                        <a:t>, </a:t>
-                      </a:r>
-                      <a:r>
-                        <a:rPr lang="en-IN" sz="1800"/>
-                        <a:t>functionalGenerator</a:t>
-                      </a:r>
-                      <a:r>
-                        <a:rPr lang="en-IN" sz="1800"/>
-                        <a:t>)</a:t>
-                      </a:r>
-                      <a:endParaRPr/>
-                    </a:p>
-                  </a:txBody>
-                  <a:tcPr marL="12322" marR="12322" marT="6162" marB="6162" anchor="ctr">
-                    <a:lnL w="19049" algn="ctr">
-                      <a:solidFill>
-                        <a:schemeClr val="accent1"/>
-                      </a:solidFill>
-                    </a:lnL>
-                    <a:lnR w="19049" algn="ctr">
-                      <a:solidFill>
-                        <a:schemeClr val="accent1"/>
-                      </a:solidFill>
-                    </a:lnR>
-                    <a:lnT w="19049" algn="ctr">
-                      <a:solidFill>
-                        <a:schemeClr val="accent1"/>
-                      </a:solidFill>
-                    </a:lnT>
-                    <a:lnB w="19049" algn="ctr">
-                      <a:solidFill>
-                        <a:schemeClr val="accent1"/>
-                      </a:solidFill>
-                    </a:lnB>
-                  </a:tcPr>
-                </a:tc>
-                <a:tc>
-                  <a:txBody>
-                    <a:bodyPr/>
-                    <a:p>
-                      <a:pPr algn="ctr">
-                        <a:defRPr/>
-                      </a:pPr>
-                      <a:r>
-                        <a:rPr lang="en-GB" sz="1800"/>
-                        <a:t>All elements are set into parallel by using the generator function.</a:t>
-                      </a:r>
-                      <a:endParaRPr/>
-                    </a:p>
-                  </a:txBody>
-                  <a:tcPr marL="12322" marR="12322" marT="6162" marB="6162" anchor="ctr">
-                    <a:lnL w="19049" algn="ctr">
-                      <a:solidFill>
-                        <a:schemeClr val="accent1"/>
-                      </a:solidFill>
-                    </a:lnL>
-                    <a:lnR w="19049" algn="ctr">
-                      <a:solidFill>
-                        <a:schemeClr val="accent1"/>
-                      </a:solidFill>
-                    </a:lnR>
-                    <a:lnT w="19049" algn="ctr">
-                      <a:solidFill>
-                        <a:schemeClr val="accent1"/>
-                      </a:solidFill>
-                    </a:lnT>
-                    <a:lnB w="19049" algn="ctr">
-                      <a:solidFill>
-                        <a:schemeClr val="accent1"/>
-                      </a:solidFill>
-                    </a:lnB>
-                  </a:tcPr>
-                </a:tc>
-              </a:tr>
-              <a:tr h="110911">
-                <a:tc>
-                  <a:txBody>
-                    <a:bodyPr/>
-                    <a:p>
-                      <a:pPr algn="ctr">
-                        <a:defRPr/>
-                      </a:pPr>
-                      <a:r>
-                        <a:rPr lang="en-IN" sz="1800"/>
-                        <a:t>parallelPrefix</a:t>
-                      </a:r>
-                      <a:r>
-                        <a:rPr lang="en-IN" sz="1800"/>
-                        <a:t>(</a:t>
-                      </a:r>
-                      <a:r>
-                        <a:rPr lang="en-IN" sz="1800"/>
-                        <a:t>originalArray</a:t>
-                      </a:r>
-                      <a:r>
-                        <a:rPr lang="en-IN" sz="1800"/>
-                        <a:t>, operator)</a:t>
-                      </a:r>
-                      <a:endParaRPr/>
-                    </a:p>
-                  </a:txBody>
-                  <a:tcPr marL="12322" marR="12322" marT="6162" marB="6162" anchor="ctr">
-                    <a:lnL w="19049" algn="ctr">
-                      <a:solidFill>
-                        <a:schemeClr val="accent1"/>
-                      </a:solidFill>
-                    </a:lnL>
-                    <a:lnR w="19049" algn="ctr">
-                      <a:solidFill>
-                        <a:schemeClr val="accent1"/>
-                      </a:solidFill>
-                    </a:lnR>
-                    <a:lnT w="19049" algn="ctr">
-                      <a:solidFill>
-                        <a:schemeClr val="accent1"/>
-                      </a:solidFill>
-                    </a:lnT>
-                    <a:lnB w="19049" algn="ctr">
-                      <a:solidFill>
-                        <a:schemeClr val="accent1"/>
-                      </a:solidFill>
-                    </a:lnB>
-                  </a:tcPr>
-                </a:tc>
-                <a:tc>
-                  <a:txBody>
-                    <a:bodyPr/>
-                    <a:p>
-                      <a:pPr algn="ctr">
-                        <a:defRPr/>
-                      </a:pPr>
-                      <a:r>
-                        <a:rPr lang="en-GB" sz="1800"/>
-                        <a:t>For a complete array it performs </a:t>
-                      </a:r>
-                      <a:r>
-                        <a:rPr lang="en-GB" sz="1800"/>
-                        <a:t>parallelPrefix</a:t>
-                      </a:r>
-                      <a:r>
-                        <a:rPr lang="en-GB" sz="1800"/>
-                        <a:t> function.</a:t>
-                      </a:r>
-                      <a:endParaRPr/>
-                    </a:p>
-                  </a:txBody>
-                  <a:tcPr marL="12322" marR="12322" marT="6162" marB="6162" anchor="ctr">
-                    <a:lnL w="19049" algn="ctr">
-                      <a:solidFill>
-                        <a:schemeClr val="accent1"/>
-                      </a:solidFill>
-                    </a:lnL>
-                    <a:lnR w="19049" algn="ctr">
-                      <a:solidFill>
-                        <a:schemeClr val="accent1"/>
-                      </a:solidFill>
-                    </a:lnR>
-                    <a:lnT w="19049" algn="ctr">
-                      <a:solidFill>
-                        <a:schemeClr val="accent1"/>
-                      </a:solidFill>
-                    </a:lnT>
-                    <a:lnB w="19049" algn="ctr">
-                      <a:solidFill>
-                        <a:schemeClr val="accent1"/>
-                      </a:solidFill>
-                    </a:lnB>
-                  </a:tcPr>
-                </a:tc>
-              </a:tr>
-              <a:tr h="110911">
-                <a:tc>
-                  <a:txBody>
-                    <a:bodyPr/>
-                    <a:p>
-                      <a:pPr algn="ctr">
-                        <a:defRPr/>
-                      </a:pPr>
-                      <a:r>
-                        <a:rPr lang="en-GB" sz="1800"/>
-                        <a:t>parallelPrefix</a:t>
-                      </a:r>
-                      <a:r>
-                        <a:rPr lang="en-GB" sz="1800"/>
-                        <a:t>(</a:t>
-                      </a:r>
-                      <a:r>
-                        <a:rPr lang="en-GB" sz="1800"/>
-                        <a:t>originalArray</a:t>
-                      </a:r>
-                      <a:r>
-                        <a:rPr lang="en-GB" sz="1800"/>
-                        <a:t>, </a:t>
-                      </a:r>
-                      <a:r>
-                        <a:rPr lang="en-GB" sz="1800"/>
-                        <a:t>fromIndex</a:t>
-                      </a:r>
-                      <a:r>
-                        <a:rPr lang="en-GB" sz="1800"/>
-                        <a:t>, </a:t>
-                      </a:r>
-                      <a:r>
-                        <a:rPr lang="en-GB" sz="1800"/>
-                        <a:t>endIndex</a:t>
-                      </a:r>
-                      <a:r>
-                        <a:rPr lang="en-GB" sz="1800"/>
-                        <a:t>, </a:t>
-                      </a:r>
-                      <a:r>
-                        <a:rPr lang="en-GB" sz="1800"/>
-                        <a:t>functionalOperator</a:t>
-                      </a:r>
-                      <a:r>
-                        <a:rPr lang="en-GB" sz="1800"/>
-                        <a:t>)</a:t>
-                      </a:r>
-                      <a:endParaRPr/>
-                    </a:p>
-                  </a:txBody>
-                  <a:tcPr marL="12322" marR="12322" marT="6162" marB="6162" anchor="ctr">
-                    <a:lnL w="19049" algn="ctr">
-                      <a:solidFill>
-                        <a:schemeClr val="accent1"/>
-                      </a:solidFill>
-                    </a:lnL>
-                    <a:lnR w="19049" algn="ctr">
-                      <a:solidFill>
-                        <a:schemeClr val="accent1"/>
-                      </a:solidFill>
-                    </a:lnR>
-                    <a:lnT w="19049" algn="ctr">
-                      <a:solidFill>
-                        <a:schemeClr val="accent1"/>
-                      </a:solidFill>
-                    </a:lnT>
-                    <a:lnB w="19049" algn="ctr">
-                      <a:solidFill>
-                        <a:schemeClr val="accent1"/>
-                      </a:solidFill>
-                    </a:lnB>
-                  </a:tcPr>
-                </a:tc>
-                <a:tc>
-                  <a:txBody>
-                    <a:bodyPr/>
-                    <a:p>
-                      <a:pPr algn="ctr">
-                        <a:defRPr/>
-                      </a:pPr>
-                      <a:r>
-                        <a:rPr lang="en-GB" sz="1800"/>
-                        <a:t>It performs </a:t>
-                      </a:r>
-                      <a:r>
-                        <a:rPr lang="en-GB" sz="1800"/>
-                        <a:t>parallelPrefix</a:t>
-                      </a:r>
-                      <a:r>
-                        <a:rPr lang="en-GB" sz="1800"/>
-                        <a:t> for the given range of the array with the specified functional operator.</a:t>
-                      </a:r>
-                      <a:endParaRPr/>
-                    </a:p>
-                  </a:txBody>
-                  <a:tcPr marL="12322" marR="12322" marT="6162" marB="6162" anchor="ctr">
-                    <a:lnL w="19049" algn="ctr">
-                      <a:solidFill>
-                        <a:schemeClr val="accent1"/>
-                      </a:solidFill>
-                    </a:lnL>
-                    <a:lnR w="19049" algn="ctr">
-                      <a:solidFill>
-                        <a:schemeClr val="accent1"/>
-                      </a:solidFill>
-                    </a:lnR>
-                    <a:lnT w="19049" algn="ctr">
-                      <a:solidFill>
-                        <a:schemeClr val="accent1"/>
-                      </a:solidFill>
-                    </a:lnT>
-                    <a:lnB w="19049" algn="ctr">
-                      <a:solidFill>
-                        <a:schemeClr val="accent1"/>
-                      </a:solidFill>
-                    </a:lnB>
-                  </a:tcPr>
-                </a:tc>
-              </a:tr>
-              <a:tr h="110911">
-                <a:tc>
-                  <a:txBody>
-                    <a:bodyPr/>
-                    <a:p>
-                      <a:pPr algn="ctr">
-                        <a:defRPr/>
-                      </a:pPr>
-                      <a:r>
-                        <a:rPr lang="en-IN" sz="1800"/>
-                        <a:t>mismatch(array1,array2)</a:t>
-                      </a:r>
-                      <a:endParaRPr/>
-                    </a:p>
-                  </a:txBody>
-                  <a:tcPr marL="12322" marR="12322" marT="6162" marB="6162" anchor="ctr">
-                    <a:lnL w="19049" algn="ctr">
-                      <a:solidFill>
-                        <a:schemeClr val="accent1"/>
-                      </a:solidFill>
-                    </a:lnL>
-                    <a:lnR w="19049" algn="ctr">
-                      <a:solidFill>
-                        <a:schemeClr val="accent1"/>
-                      </a:solidFill>
-                    </a:lnR>
-                    <a:lnT w="19049" algn="ctr">
-                      <a:solidFill>
-                        <a:schemeClr val="accent1"/>
-                      </a:solidFill>
-                    </a:lnT>
-                    <a:lnB w="19049" algn="ctr">
-                      <a:solidFill>
-                        <a:schemeClr val="accent1"/>
-                      </a:solidFill>
-                    </a:lnB>
-                  </a:tcPr>
-                </a:tc>
-                <a:tc>
-                  <a:txBody>
-                    <a:bodyPr/>
-                    <a:p>
-                      <a:pPr algn="ctr">
-                        <a:defRPr/>
-                      </a:pPr>
-                      <a:r>
-                        <a:rPr lang="en-GB" sz="1800"/>
-                        <a:t>It will search and return the index of the first unmatched element between the 2 concerned arrays.</a:t>
-                      </a:r>
-                      <a:endParaRPr/>
-                    </a:p>
-                  </a:txBody>
-                  <a:tcPr marL="12322" marR="12322" marT="6162" marB="6162" anchor="ctr">
-                    <a:lnL w="19049" algn="ctr">
-                      <a:solidFill>
-                        <a:schemeClr val="accent1"/>
-                      </a:solidFill>
-                    </a:lnL>
-                    <a:lnR w="19049" algn="ctr">
-                      <a:solidFill>
-                        <a:schemeClr val="accent1"/>
-                      </a:solidFill>
-                    </a:lnR>
-                    <a:lnT w="19049" algn="ctr">
-                      <a:solidFill>
-                        <a:schemeClr val="accent1"/>
-                      </a:solidFill>
-                    </a:lnT>
-                    <a:lnB w="19049" algn="ctr">
-                      <a:solidFill>
-                        <a:schemeClr val="accent1"/>
-                      </a:solidFill>
-                    </a:lnB>
-                  </a:tcPr>
-                </a:tc>
-              </a:tr>
-            </a:tbl>
-          </a:graphicData>
-        </a:graphic>
-      </p:graphicFrame>
+      </p:pic>
     </p:spTree>
   </p:cSld>
   <p:clrMapOvr>
@@ -10372,14 +7864,10 @@
   </p:clrMapOvr>
   <mc:AlternateContent xmlns:mc="http://schemas.openxmlformats.org/markup-compatibility/2006">
     <mc:Choice xmlns:p14="http://schemas.microsoft.com/office/powerpoint/2010/main" Requires="p14">
-      <p:transition spd="med" p14:dur="700" advClick="1">
-        <p:fade thruBlk="0"/>
-      </p:transition>
+      <p:transition p14:dur="2000" advClick="1"/>
     </mc:Choice>
     <mc:Fallback>
-      <p:transition spd="med" advClick="1">
-        <p:fade thruBlk="0"/>
-      </p:transition>
+      <p:transition advClick="1"/>
     </mc:Fallback>
   </mc:AlternateContent>
 </p:sld>
